--- a/pic/Presentation1.pptx
+++ b/pic/Presentation1.pptx
@@ -4,9 +4,12 @@
   <p:sldMasterIdLst>
     <p:sldMasterId id="2147483648" r:id="rId1"/>
   </p:sldMasterIdLst>
+  <p:notesMasterIdLst>
+    <p:notesMasterId r:id="rId4"/>
+  </p:notesMasterIdLst>
   <p:sldIdLst>
     <p:sldId id="256" r:id="rId3"/>
-    <p:sldId id="257" r:id="rId4"/>
+    <p:sldId id="258" r:id="rId5"/>
   </p:sldIdLst>
   <p:sldSz cx="12192000" cy="6858000"/>
   <p:notesSz cx="6858000" cy="9144000"/>
@@ -106,6 +109,441 @@
     </a:lvl9pPr>
   </p:defaultTextStyle>
 </p:presentation>
+</file>
+
+<file path=ppt/notesMasters/notesMaster1.xml><?xml version="1.0" encoding="utf-8"?>
+<p:notesMaster xmlns:a="http://schemas.openxmlformats.org/drawingml/2006/main" xmlns:r="http://schemas.openxmlformats.org/officeDocument/2006/relationships" xmlns:p="http://schemas.openxmlformats.org/presentationml/2006/main">
+  <p:cSld>
+    <p:bg>
+      <p:bgRef idx="1001">
+        <a:schemeClr val="bg1"/>
+      </p:bgRef>
+    </p:bg>
+    <p:spTree>
+      <p:nvGrpSpPr>
+        <p:cNvPr id="1" name=""/>
+        <p:cNvGrpSpPr/>
+        <p:nvPr/>
+      </p:nvGrpSpPr>
+      <p:grpSpPr>
+        <a:xfrm>
+          <a:off x="0" y="0"/>
+          <a:ext cx="0" cy="0"/>
+          <a:chOff x="0" y="0"/>
+          <a:chExt cx="0" cy="0"/>
+        </a:xfrm>
+      </p:grpSpPr>
+      <p:sp>
+        <p:nvSpPr>
+          <p:cNvPr id="2" name="Header Placeholder 1"/>
+          <p:cNvSpPr>
+            <a:spLocks noGrp="1"/>
+          </p:cNvSpPr>
+          <p:nvPr>
+            <p:ph type="hdr" sz="quarter"/>
+          </p:nvPr>
+        </p:nvSpPr>
+        <p:spPr>
+          <a:xfrm>
+            <a:off x="0" y="0"/>
+            <a:ext cx="2971800" cy="458788"/>
+          </a:xfrm>
+          <a:prstGeom prst="rect">
+            <a:avLst/>
+          </a:prstGeom>
+        </p:spPr>
+        <p:txBody>
+          <a:bodyPr vert="horz" lIns="91440" tIns="45720" rIns="91440" bIns="45720" rtlCol="0"/>
+          <a:lstStyle>
+            <a:lvl1pPr algn="l">
+              <a:defRPr sz="1200"/>
+            </a:lvl1pPr>
+          </a:lstStyle>
+          <a:p>
+            <a:endParaRPr lang="en-US"/>
+          </a:p>
+        </p:txBody>
+      </p:sp>
+      <p:sp>
+        <p:nvSpPr>
+          <p:cNvPr id="3" name="Date Placeholder 2"/>
+          <p:cNvSpPr>
+            <a:spLocks noGrp="1"/>
+          </p:cNvSpPr>
+          <p:nvPr>
+            <p:ph type="dt" idx="1"/>
+          </p:nvPr>
+        </p:nvSpPr>
+        <p:spPr>
+          <a:xfrm>
+            <a:off x="3884613" y="0"/>
+            <a:ext cx="2971800" cy="458788"/>
+          </a:xfrm>
+          <a:prstGeom prst="rect">
+            <a:avLst/>
+          </a:prstGeom>
+        </p:spPr>
+        <p:txBody>
+          <a:bodyPr vert="horz" lIns="91440" tIns="45720" rIns="91440" bIns="45720" rtlCol="0"/>
+          <a:lstStyle>
+            <a:lvl1pPr algn="r">
+              <a:defRPr sz="1200"/>
+            </a:lvl1pPr>
+          </a:lstStyle>
+          <a:p>
+            <a:fld id="{3EFD42F7-718C-4B98-AAEC-167E6DDD60A7}" type="datetimeFigureOut">
+              <a:rPr lang="en-US" smtClean="0"/>
+            </a:fld>
+            <a:endParaRPr lang="en-US"/>
+          </a:p>
+        </p:txBody>
+      </p:sp>
+      <p:sp>
+        <p:nvSpPr>
+          <p:cNvPr id="4" name="Slide Image Placeholder 3"/>
+          <p:cNvSpPr>
+            <a:spLocks noGrp="1" noRot="1" noChangeAspect="1"/>
+          </p:cNvSpPr>
+          <p:nvPr>
+            <p:ph type="sldImg" idx="2"/>
+          </p:nvPr>
+        </p:nvSpPr>
+        <p:spPr>
+          <a:xfrm>
+            <a:off x="685800" y="1143000"/>
+            <a:ext cx="5486400" cy="3086100"/>
+          </a:xfrm>
+          <a:prstGeom prst="rect">
+            <a:avLst/>
+          </a:prstGeom>
+          <a:noFill/>
+          <a:ln w="12700">
+            <a:solidFill>
+              <a:prstClr val="black"/>
+            </a:solidFill>
+          </a:ln>
+        </p:spPr>
+        <p:txBody>
+          <a:bodyPr vert="horz" lIns="91440" tIns="45720" rIns="91440" bIns="45720" rtlCol="0" anchor="ctr"/>
+          <a:lstStyle/>
+          <a:p>
+            <a:endParaRPr lang="en-US"/>
+          </a:p>
+        </p:txBody>
+      </p:sp>
+      <p:sp>
+        <p:nvSpPr>
+          <p:cNvPr id="5" name="Notes Placeholder 4"/>
+          <p:cNvSpPr>
+            <a:spLocks noGrp="1"/>
+          </p:cNvSpPr>
+          <p:nvPr>
+            <p:ph type="body" sz="quarter" idx="3"/>
+          </p:nvPr>
+        </p:nvSpPr>
+        <p:spPr>
+          <a:xfrm>
+            <a:off x="685800" y="4400550"/>
+            <a:ext cx="5486400" cy="3600450"/>
+          </a:xfrm>
+          <a:prstGeom prst="rect">
+            <a:avLst/>
+          </a:prstGeom>
+        </p:spPr>
+        <p:txBody>
+          <a:bodyPr vert="horz" lIns="91440" tIns="45720" rIns="91440" bIns="45720" rtlCol="0"/>
+          <a:lstStyle/>
+          <a:p>
+            <a:pPr lvl="0"/>
+            <a:r>
+              <a:rPr lang="en-US" smtClean="0"/>
+              <a:t>Click to edit Master text styles</a:t>
+            </a:r>
+            <a:endParaRPr lang="en-US" smtClean="0"/>
+          </a:p>
+          <a:p>
+            <a:pPr lvl="1"/>
+            <a:r>
+              <a:rPr lang="en-US" smtClean="0"/>
+              <a:t>Second level</a:t>
+            </a:r>
+            <a:endParaRPr lang="en-US" smtClean="0"/>
+          </a:p>
+          <a:p>
+            <a:pPr lvl="2"/>
+            <a:r>
+              <a:rPr lang="en-US" smtClean="0"/>
+              <a:t>Third level</a:t>
+            </a:r>
+            <a:endParaRPr lang="en-US" smtClean="0"/>
+          </a:p>
+          <a:p>
+            <a:pPr lvl="3"/>
+            <a:r>
+              <a:rPr lang="en-US" smtClean="0"/>
+              <a:t>Fourth level</a:t>
+            </a:r>
+            <a:endParaRPr lang="en-US" smtClean="0"/>
+          </a:p>
+          <a:p>
+            <a:pPr lvl="4"/>
+            <a:r>
+              <a:rPr lang="en-US" smtClean="0"/>
+              <a:t>Fifth level</a:t>
+            </a:r>
+            <a:endParaRPr lang="en-US"/>
+          </a:p>
+        </p:txBody>
+      </p:sp>
+      <p:sp>
+        <p:nvSpPr>
+          <p:cNvPr id="6" name="Footer Placeholder 5"/>
+          <p:cNvSpPr>
+            <a:spLocks noGrp="1"/>
+          </p:cNvSpPr>
+          <p:nvPr>
+            <p:ph type="ftr" sz="quarter" idx="4"/>
+          </p:nvPr>
+        </p:nvSpPr>
+        <p:spPr>
+          <a:xfrm>
+            <a:off x="0" y="8685213"/>
+            <a:ext cx="2971800" cy="458787"/>
+          </a:xfrm>
+          <a:prstGeom prst="rect">
+            <a:avLst/>
+          </a:prstGeom>
+        </p:spPr>
+        <p:txBody>
+          <a:bodyPr vert="horz" lIns="91440" tIns="45720" rIns="91440" bIns="45720" rtlCol="0" anchor="b"/>
+          <a:lstStyle>
+            <a:lvl1pPr algn="l">
+              <a:defRPr sz="1200"/>
+            </a:lvl1pPr>
+          </a:lstStyle>
+          <a:p>
+            <a:endParaRPr lang="en-US"/>
+          </a:p>
+        </p:txBody>
+      </p:sp>
+      <p:sp>
+        <p:nvSpPr>
+          <p:cNvPr id="7" name="Slide Number Placeholder 6"/>
+          <p:cNvSpPr>
+            <a:spLocks noGrp="1"/>
+          </p:cNvSpPr>
+          <p:nvPr>
+            <p:ph type="sldNum" sz="quarter" idx="5"/>
+          </p:nvPr>
+        </p:nvSpPr>
+        <p:spPr>
+          <a:xfrm>
+            <a:off x="3884613" y="8685213"/>
+            <a:ext cx="2971800" cy="458787"/>
+          </a:xfrm>
+          <a:prstGeom prst="rect">
+            <a:avLst/>
+          </a:prstGeom>
+        </p:spPr>
+        <p:txBody>
+          <a:bodyPr vert="horz" lIns="91440" tIns="45720" rIns="91440" bIns="45720" rtlCol="0" anchor="b"/>
+          <a:lstStyle>
+            <a:lvl1pPr algn="r">
+              <a:defRPr sz="1200"/>
+            </a:lvl1pPr>
+          </a:lstStyle>
+          <a:p>
+            <a:fld id="{21B2AA4F-B828-4D7C-AFD3-893933DAFCB4}" type="slidenum">
+              <a:rPr lang="en-US" smtClean="0"/>
+            </a:fld>
+            <a:endParaRPr lang="en-US"/>
+          </a:p>
+        </p:txBody>
+      </p:sp>
+    </p:spTree>
+  </p:cSld>
+  <p:clrMap bg1="lt1" tx1="dk1" bg2="lt2" tx2="dk2" accent1="accent1" accent2="accent2" accent3="accent3" accent4="accent4" accent5="accent5" accent6="accent6" hlink="hlink" folHlink="folHlink"/>
+  <p:notesStyle>
+    <a:lvl1pPr marL="0" algn="l" defTabSz="914400" rtl="0" eaLnBrk="1" latinLnBrk="0" hangingPunct="1">
+      <a:defRPr sz="1200" kern="1200">
+        <a:solidFill>
+          <a:schemeClr val="tx1"/>
+        </a:solidFill>
+        <a:latin typeface="+mn-lt"/>
+        <a:ea typeface="+mn-ea"/>
+        <a:cs typeface="+mn-cs"/>
+      </a:defRPr>
+    </a:lvl1pPr>
+    <a:lvl2pPr marL="457200" algn="l" defTabSz="914400" rtl="0" eaLnBrk="1" latinLnBrk="0" hangingPunct="1">
+      <a:defRPr sz="1200" kern="1200">
+        <a:solidFill>
+          <a:schemeClr val="tx1"/>
+        </a:solidFill>
+        <a:latin typeface="+mn-lt"/>
+        <a:ea typeface="+mn-ea"/>
+        <a:cs typeface="+mn-cs"/>
+      </a:defRPr>
+    </a:lvl2pPr>
+    <a:lvl3pPr marL="914400" algn="l" defTabSz="914400" rtl="0" eaLnBrk="1" latinLnBrk="0" hangingPunct="1">
+      <a:defRPr sz="1200" kern="1200">
+        <a:solidFill>
+          <a:schemeClr val="tx1"/>
+        </a:solidFill>
+        <a:latin typeface="+mn-lt"/>
+        <a:ea typeface="+mn-ea"/>
+        <a:cs typeface="+mn-cs"/>
+      </a:defRPr>
+    </a:lvl3pPr>
+    <a:lvl4pPr marL="1371600" algn="l" defTabSz="914400" rtl="0" eaLnBrk="1" latinLnBrk="0" hangingPunct="1">
+      <a:defRPr sz="1200" kern="1200">
+        <a:solidFill>
+          <a:schemeClr val="tx1"/>
+        </a:solidFill>
+        <a:latin typeface="+mn-lt"/>
+        <a:ea typeface="+mn-ea"/>
+        <a:cs typeface="+mn-cs"/>
+      </a:defRPr>
+    </a:lvl4pPr>
+    <a:lvl5pPr marL="1828800" algn="l" defTabSz="914400" rtl="0" eaLnBrk="1" latinLnBrk="0" hangingPunct="1">
+      <a:defRPr sz="1200" kern="1200">
+        <a:solidFill>
+          <a:schemeClr val="tx1"/>
+        </a:solidFill>
+        <a:latin typeface="+mn-lt"/>
+        <a:ea typeface="+mn-ea"/>
+        <a:cs typeface="+mn-cs"/>
+      </a:defRPr>
+    </a:lvl5pPr>
+    <a:lvl6pPr marL="2286000" algn="l" defTabSz="914400" rtl="0" eaLnBrk="1" latinLnBrk="0" hangingPunct="1">
+      <a:defRPr sz="1200" kern="1200">
+        <a:solidFill>
+          <a:schemeClr val="tx1"/>
+        </a:solidFill>
+        <a:latin typeface="+mn-lt"/>
+        <a:ea typeface="+mn-ea"/>
+        <a:cs typeface="+mn-cs"/>
+      </a:defRPr>
+    </a:lvl6pPr>
+    <a:lvl7pPr marL="2743200" algn="l" defTabSz="914400" rtl="0" eaLnBrk="1" latinLnBrk="0" hangingPunct="1">
+      <a:defRPr sz="1200" kern="1200">
+        <a:solidFill>
+          <a:schemeClr val="tx1"/>
+        </a:solidFill>
+        <a:latin typeface="+mn-lt"/>
+        <a:ea typeface="+mn-ea"/>
+        <a:cs typeface="+mn-cs"/>
+      </a:defRPr>
+    </a:lvl7pPr>
+    <a:lvl8pPr marL="3200400" algn="l" defTabSz="914400" rtl="0" eaLnBrk="1" latinLnBrk="0" hangingPunct="1">
+      <a:defRPr sz="1200" kern="1200">
+        <a:solidFill>
+          <a:schemeClr val="tx1"/>
+        </a:solidFill>
+        <a:latin typeface="+mn-lt"/>
+        <a:ea typeface="+mn-ea"/>
+        <a:cs typeface="+mn-cs"/>
+      </a:defRPr>
+    </a:lvl8pPr>
+    <a:lvl9pPr marL="3657600" algn="l" defTabSz="914400" rtl="0" eaLnBrk="1" latinLnBrk="0" hangingPunct="1">
+      <a:defRPr sz="1200" kern="1200">
+        <a:solidFill>
+          <a:schemeClr val="tx1"/>
+        </a:solidFill>
+        <a:latin typeface="+mn-lt"/>
+        <a:ea typeface="+mn-ea"/>
+        <a:cs typeface="+mn-cs"/>
+      </a:defRPr>
+    </a:lvl9pPr>
+  </p:notesStyle>
+</p:notesMaster>
+</file>
+
+<file path=ppt/notesSlides/notesSlide1.xml><?xml version="1.0" encoding="utf-8"?>
+<p:notes xmlns:a="http://schemas.openxmlformats.org/drawingml/2006/main" xmlns:r="http://schemas.openxmlformats.org/officeDocument/2006/relationships" xmlns:p="http://schemas.openxmlformats.org/presentationml/2006/main">
+  <p:cSld>
+    <p:spTree>
+      <p:nvGrpSpPr>
+        <p:cNvPr id="1" name=""/>
+        <p:cNvGrpSpPr/>
+        <p:nvPr/>
+      </p:nvGrpSpPr>
+      <p:grpSpPr/>
+      <p:sp>
+        <p:nvSpPr>
+          <p:cNvPr id="2" name="Slide Image Placeholder 1"/>
+          <p:cNvSpPr/>
+          <p:nvPr>
+            <p:ph type="sldImg" idx="2"/>
+          </p:nvPr>
+        </p:nvSpPr>
+        <p:spPr/>
+      </p:sp>
+      <p:sp>
+        <p:nvSpPr>
+          <p:cNvPr id="3" name="Text Placeholder 2"/>
+          <p:cNvSpPr/>
+          <p:nvPr>
+            <p:ph type="body" idx="3"/>
+          </p:nvPr>
+        </p:nvSpPr>
+        <p:spPr/>
+        <p:txBody>
+          <a:bodyPr/>
+          <a:p>
+            <a:endParaRPr lang="en-US"/>
+          </a:p>
+        </p:txBody>
+      </p:sp>
+    </p:spTree>
+  </p:cSld>
+  <p:clrMapOvr>
+    <a:masterClrMapping/>
+  </p:clrMapOvr>
+</p:notes>
+</file>
+
+<file path=ppt/notesSlides/notesSlide2.xml><?xml version="1.0" encoding="utf-8"?>
+<p:notes xmlns:a="http://schemas.openxmlformats.org/drawingml/2006/main" xmlns:r="http://schemas.openxmlformats.org/officeDocument/2006/relationships" xmlns:p="http://schemas.openxmlformats.org/presentationml/2006/main">
+  <p:cSld>
+    <p:spTree>
+      <p:nvGrpSpPr>
+        <p:cNvPr id="1" name=""/>
+        <p:cNvGrpSpPr/>
+        <p:nvPr/>
+      </p:nvGrpSpPr>
+      <p:grpSpPr/>
+      <p:sp>
+        <p:nvSpPr>
+          <p:cNvPr id="2" name="Slide Image Placeholder 1"/>
+          <p:cNvSpPr/>
+          <p:nvPr>
+            <p:ph type="sldImg" idx="2"/>
+          </p:nvPr>
+        </p:nvSpPr>
+        <p:spPr/>
+      </p:sp>
+      <p:sp>
+        <p:nvSpPr>
+          <p:cNvPr id="3" name="Text Placeholder 2"/>
+          <p:cNvSpPr/>
+          <p:nvPr>
+            <p:ph type="body" idx="3"/>
+          </p:nvPr>
+        </p:nvSpPr>
+        <p:spPr/>
+        <p:txBody>
+          <a:bodyPr/>
+          <a:p>
+            <a:endParaRPr lang="en-US"/>
+          </a:p>
+        </p:txBody>
+      </p:sp>
+    </p:spTree>
+  </p:cSld>
+  <p:clrMapOvr>
+    <a:masterClrMapping/>
+  </p:clrMapOvr>
+</p:notes>
 </file>
 
 <file path=ppt/slideLayouts/slideLayout1.xml><?xml version="1.0" encoding="utf-8"?>
@@ -2938,8 +3376,8 @@
         </p:blipFill>
         <p:spPr>
           <a:xfrm>
-            <a:off x="447675" y="1700530"/>
-            <a:ext cx="8795385" cy="4542155"/>
+            <a:off x="447675" y="1624330"/>
+            <a:ext cx="8795385" cy="4618355"/>
           </a:xfrm>
           <a:prstGeom prst="roundRect">
             <a:avLst/>
@@ -2948,68 +3386,84 @@
       </p:pic>
       <p:pic>
         <p:nvPicPr>
-          <p:cNvPr id="18" name="Picture 17" descr="woodrack"/>
+          <p:cNvPr id="5" name="Picture 4" descr="flip_low"/>
           <p:cNvPicPr>
             <a:picLocks noChangeAspect="1"/>
           </p:cNvPicPr>
           <p:nvPr/>
         </p:nvPicPr>
         <p:blipFill>
-          <a:blip r:embed="rId2">
-            <a:lum bright="-12000"/>
-          </a:blip>
-          <a:srcRect l="1012" t="4314"/>
+          <a:blip r:embed="rId2"/>
           <a:stretch>
             <a:fillRect/>
           </a:stretch>
         </p:blipFill>
         <p:spPr>
           <a:xfrm>
-            <a:off x="1017270" y="2912745"/>
-            <a:ext cx="7497445" cy="582930"/>
-          </a:xfrm>
-          <a:prstGeom prst="roundRect">
-            <a:avLst/>
-          </a:prstGeom>
-          <a:effectLst>
-            <a:innerShdw blurRad="114300" dir="15600000">
-              <a:prstClr val="black">
-                <a:alpha val="100000"/>
-              </a:prstClr>
-            </a:innerShdw>
-          </a:effectLst>
+            <a:off x="7204075" y="3813810"/>
+            <a:ext cx="383540" cy="843915"/>
+          </a:xfrm>
+          <a:prstGeom prst="rect">
+            <a:avLst/>
+          </a:prstGeom>
         </p:spPr>
       </p:pic>
       <p:pic>
         <p:nvPicPr>
-          <p:cNvPr id="6" name="Picture 5" descr="woodrack"/>
+          <p:cNvPr id="3" name="Picture 2" descr="dark_wood"/>
           <p:cNvPicPr>
             <a:picLocks noChangeAspect="1"/>
           </p:cNvPicPr>
           <p:nvPr/>
         </p:nvPicPr>
         <p:blipFill>
-          <a:blip r:embed="rId2">
-            <a:lum bright="-12000"/>
-          </a:blip>
-          <a:srcRect l="1012" t="4314"/>
+          <a:blip r:embed="rId3"/>
+          <a:srcRect l="1798" t="33333" b="55005"/>
           <a:stretch>
             <a:fillRect/>
           </a:stretch>
         </p:blipFill>
         <p:spPr>
           <a:xfrm>
-            <a:off x="1017270" y="2034540"/>
-            <a:ext cx="7497445" cy="582930"/>
+            <a:off x="999490" y="2869565"/>
+            <a:ext cx="7508240" cy="598805"/>
           </a:xfrm>
           <a:prstGeom prst="roundRect">
             <a:avLst/>
           </a:prstGeom>
           <a:effectLst>
-            <a:innerShdw blurRad="114300" dir="15600000">
-              <a:prstClr val="black">
-                <a:alpha val="100000"/>
-              </a:prstClr>
+            <a:innerShdw blurRad="114300" dir="12600000">
+              <a:prstClr val="black"/>
+            </a:innerShdw>
+          </a:effectLst>
+        </p:spPr>
+      </p:pic>
+      <p:pic>
+        <p:nvPicPr>
+          <p:cNvPr id="2" name="Picture 1" descr="dark_wood"/>
+          <p:cNvPicPr>
+            <a:picLocks noChangeAspect="1"/>
+          </p:cNvPicPr>
+          <p:nvPr/>
+        </p:nvPicPr>
+        <p:blipFill>
+          <a:blip r:embed="rId3"/>
+          <a:srcRect l="1798" t="33333" b="55005"/>
+          <a:stretch>
+            <a:fillRect/>
+          </a:stretch>
+        </p:blipFill>
+        <p:spPr>
+          <a:xfrm>
+            <a:off x="1006475" y="1995170"/>
+            <a:ext cx="7508240" cy="598805"/>
+          </a:xfrm>
+          <a:prstGeom prst="roundRect">
+            <a:avLst/>
+          </a:prstGeom>
+          <a:effectLst>
+            <a:innerShdw blurRad="114300" dir="12600000">
+              <a:prstClr val="black"/>
             </a:innerShdw>
           </a:effectLst>
         </p:spPr>
@@ -3023,14 +3477,14 @@
           <p:nvPr/>
         </p:nvPicPr>
         <p:blipFill>
-          <a:blip r:embed="rId3"/>
+          <a:blip r:embed="rId4"/>
           <a:stretch>
             <a:fillRect/>
           </a:stretch>
         </p:blipFill>
         <p:spPr>
           <a:xfrm>
-            <a:off x="7948930" y="2053590"/>
+            <a:off x="7924165" y="2034540"/>
             <a:ext cx="537210" cy="537210"/>
           </a:xfrm>
           <a:prstGeom prst="rect">
@@ -3047,14 +3501,14 @@
           <p:nvPr/>
         </p:nvPicPr>
         <p:blipFill>
-          <a:blip r:embed="rId4"/>
+          <a:blip r:embed="rId5"/>
           <a:stretch>
             <a:fillRect/>
           </a:stretch>
         </p:blipFill>
         <p:spPr>
           <a:xfrm>
-            <a:off x="7416165" y="2053590"/>
+            <a:off x="7372350" y="2053590"/>
             <a:ext cx="532765" cy="541020"/>
           </a:xfrm>
           <a:prstGeom prst="rect">
@@ -3071,14 +3525,14 @@
           <p:nvPr/>
         </p:nvPicPr>
         <p:blipFill>
-          <a:blip r:embed="rId5"/>
+          <a:blip r:embed="rId6"/>
           <a:stretch>
             <a:fillRect/>
           </a:stretch>
         </p:blipFill>
         <p:spPr>
           <a:xfrm>
-            <a:off x="6870700" y="2049145"/>
+            <a:off x="6826885" y="2049145"/>
             <a:ext cx="545465" cy="541655"/>
           </a:xfrm>
           <a:prstGeom prst="rect">
@@ -3095,14 +3549,14 @@
           <p:nvPr/>
         </p:nvPicPr>
         <p:blipFill>
-          <a:blip r:embed="rId6"/>
+          <a:blip r:embed="rId7"/>
           <a:stretch>
             <a:fillRect/>
           </a:stretch>
         </p:blipFill>
         <p:spPr>
           <a:xfrm>
-            <a:off x="6325235" y="2049145"/>
+            <a:off x="6281420" y="2049145"/>
             <a:ext cx="545465" cy="541655"/>
           </a:xfrm>
           <a:prstGeom prst="rect">
@@ -3119,14 +3573,14 @@
           <p:nvPr/>
         </p:nvPicPr>
         <p:blipFill>
-          <a:blip r:embed="rId7"/>
+          <a:blip r:embed="rId8"/>
           <a:stretch>
             <a:fillRect/>
           </a:stretch>
         </p:blipFill>
         <p:spPr>
           <a:xfrm>
-            <a:off x="5789295" y="2057400"/>
+            <a:off x="5745480" y="2057400"/>
             <a:ext cx="537210" cy="537210"/>
           </a:xfrm>
           <a:prstGeom prst="rect">
@@ -3143,14 +3597,14 @@
           <p:nvPr/>
         </p:nvPicPr>
         <p:blipFill>
-          <a:blip r:embed="rId8"/>
+          <a:blip r:embed="rId9"/>
           <a:stretch>
             <a:fillRect/>
           </a:stretch>
         </p:blipFill>
         <p:spPr>
           <a:xfrm>
-            <a:off x="5234305" y="2049145"/>
+            <a:off x="5190490" y="2049145"/>
             <a:ext cx="545465" cy="541655"/>
           </a:xfrm>
           <a:prstGeom prst="rect">
@@ -3167,14 +3621,14 @@
           <p:nvPr/>
         </p:nvPicPr>
         <p:blipFill>
-          <a:blip r:embed="rId9"/>
+          <a:blip r:embed="rId10"/>
           <a:stretch>
             <a:fillRect/>
           </a:stretch>
         </p:blipFill>
         <p:spPr>
           <a:xfrm>
-            <a:off x="4674870" y="2053590"/>
+            <a:off x="4631055" y="2053590"/>
             <a:ext cx="549910" cy="541655"/>
           </a:xfrm>
           <a:prstGeom prst="rect">
@@ -3191,14 +3645,14 @@
           <p:nvPr/>
         </p:nvPicPr>
         <p:blipFill>
-          <a:blip r:embed="rId10"/>
+          <a:blip r:embed="rId11"/>
           <a:stretch>
             <a:fillRect/>
           </a:stretch>
         </p:blipFill>
         <p:spPr>
           <a:xfrm>
-            <a:off x="7927975" y="2927985"/>
+            <a:off x="7830820" y="2927985"/>
             <a:ext cx="550545" cy="534035"/>
           </a:xfrm>
           <a:prstGeom prst="rect">
@@ -3215,14 +3669,14 @@
           <p:nvPr/>
         </p:nvPicPr>
         <p:blipFill>
-          <a:blip r:embed="rId11"/>
+          <a:blip r:embed="rId12"/>
           <a:stretch>
             <a:fillRect/>
           </a:stretch>
         </p:blipFill>
         <p:spPr>
           <a:xfrm>
-            <a:off x="7376795" y="2912745"/>
+            <a:off x="7270115" y="2912745"/>
             <a:ext cx="551180" cy="551180"/>
           </a:xfrm>
           <a:prstGeom prst="rect">
@@ -3239,30 +3693,6 @@
           <p:nvPr/>
         </p:nvPicPr>
         <p:blipFill>
-          <a:blip r:embed="rId12"/>
-          <a:stretch>
-            <a:fillRect/>
-          </a:stretch>
-        </p:blipFill>
-        <p:spPr>
-          <a:xfrm>
-            <a:off x="6834505" y="2921635"/>
-            <a:ext cx="542290" cy="537845"/>
-          </a:xfrm>
-          <a:prstGeom prst="rect">
-            <a:avLst/>
-          </a:prstGeom>
-        </p:spPr>
-      </p:pic>
-      <p:pic>
-        <p:nvPicPr>
-          <p:cNvPr id="35" name="Picture 34" descr="flip_high"/>
-          <p:cNvPicPr>
-            <a:picLocks noChangeAspect="1"/>
-          </p:cNvPicPr>
-          <p:nvPr/>
-        </p:nvPicPr>
-        <p:blipFill>
           <a:blip r:embed="rId13"/>
           <a:stretch>
             <a:fillRect/>
@@ -3270,8 +3700,8 @@
         </p:blipFill>
         <p:spPr>
           <a:xfrm>
-            <a:off x="7198360" y="3816985"/>
-            <a:ext cx="382270" cy="840105"/>
+            <a:off x="6708775" y="2921635"/>
+            <a:ext cx="542290" cy="537845"/>
           </a:xfrm>
           <a:prstGeom prst="rect">
             <a:avLst/>
@@ -3778,8 +4208,8 @@
         </p:nvCxnSpPr>
         <p:spPr>
           <a:xfrm flipH="1">
-            <a:off x="7807325" y="1355090"/>
-            <a:ext cx="903605" cy="846455"/>
+            <a:off x="7972425" y="1355090"/>
+            <a:ext cx="738505" cy="596265"/>
           </a:xfrm>
           <a:prstGeom prst="straightConnector1">
             <a:avLst/>
@@ -4193,6 +4623,126 @@
           </a:p>
         </p:txBody>
       </p:sp>
+      <p:pic>
+        <p:nvPicPr>
+          <p:cNvPr id="7" name="Picture 6" descr="ball11"/>
+          <p:cNvPicPr>
+            <a:picLocks noChangeAspect="1"/>
+          </p:cNvPicPr>
+          <p:nvPr/>
+        </p:nvPicPr>
+        <p:blipFill>
+          <a:blip r:embed="rId16"/>
+          <a:stretch>
+            <a:fillRect/>
+          </a:stretch>
+        </p:blipFill>
+        <p:spPr>
+          <a:xfrm>
+            <a:off x="6136005" y="2924810"/>
+            <a:ext cx="538480" cy="538480"/>
+          </a:xfrm>
+          <a:prstGeom prst="rect">
+            <a:avLst/>
+          </a:prstGeom>
+        </p:spPr>
+      </p:pic>
+      <p:pic>
+        <p:nvPicPr>
+          <p:cNvPr id="8" name="Picture 7" descr="ball12"/>
+          <p:cNvPicPr>
+            <a:picLocks noChangeAspect="1"/>
+          </p:cNvPicPr>
+          <p:nvPr/>
+        </p:nvPicPr>
+        <p:blipFill>
+          <a:blip r:embed="rId17"/>
+          <a:stretch>
+            <a:fillRect/>
+          </a:stretch>
+        </p:blipFill>
+        <p:spPr>
+          <a:xfrm>
+            <a:off x="5582920" y="2919730"/>
+            <a:ext cx="531495" cy="528320"/>
+          </a:xfrm>
+          <a:prstGeom prst="rect">
+            <a:avLst/>
+          </a:prstGeom>
+        </p:spPr>
+      </p:pic>
+      <p:pic>
+        <p:nvPicPr>
+          <p:cNvPr id="9" name="Picture 8" descr="ball13"/>
+          <p:cNvPicPr>
+            <a:picLocks noChangeAspect="1"/>
+          </p:cNvPicPr>
+          <p:nvPr/>
+        </p:nvPicPr>
+        <p:blipFill>
+          <a:blip r:embed="rId18"/>
+          <a:stretch>
+            <a:fillRect/>
+          </a:stretch>
+        </p:blipFill>
+        <p:spPr>
+          <a:xfrm>
+            <a:off x="5031105" y="2914650"/>
+            <a:ext cx="546735" cy="538480"/>
+          </a:xfrm>
+          <a:prstGeom prst="rect">
+            <a:avLst/>
+          </a:prstGeom>
+        </p:spPr>
+      </p:pic>
+      <p:pic>
+        <p:nvPicPr>
+          <p:cNvPr id="10" name="Picture 9" descr="ball14"/>
+          <p:cNvPicPr>
+            <a:picLocks noChangeAspect="1"/>
+          </p:cNvPicPr>
+          <p:nvPr/>
+        </p:nvPicPr>
+        <p:blipFill>
+          <a:blip r:embed="rId19"/>
+          <a:stretch>
+            <a:fillRect/>
+          </a:stretch>
+        </p:blipFill>
+        <p:spPr>
+          <a:xfrm>
+            <a:off x="4490085" y="2914650"/>
+            <a:ext cx="541020" cy="533400"/>
+          </a:xfrm>
+          <a:prstGeom prst="rect">
+            <a:avLst/>
+          </a:prstGeom>
+        </p:spPr>
+      </p:pic>
+      <p:pic>
+        <p:nvPicPr>
+          <p:cNvPr id="22" name="Picture 21" descr="ball15"/>
+          <p:cNvPicPr>
+            <a:picLocks noChangeAspect="1"/>
+          </p:cNvPicPr>
+          <p:nvPr/>
+        </p:nvPicPr>
+        <p:blipFill>
+          <a:blip r:embed="rId20"/>
+          <a:stretch>
+            <a:fillRect/>
+          </a:stretch>
+        </p:blipFill>
+        <p:spPr>
+          <a:xfrm>
+            <a:off x="3920490" y="2915920"/>
+            <a:ext cx="541020" cy="533400"/>
+          </a:xfrm>
+          <a:prstGeom prst="rect">
+            <a:avLst/>
+          </a:prstGeom>
+        </p:spPr>
+      </p:pic>
     </p:spTree>
   </p:cSld>
   <p:clrMapOvr>
@@ -4210,21 +4760,696 @@
         <p:cNvGrpSpPr/>
         <p:nvPr/>
       </p:nvGrpSpPr>
-      <p:grpSpPr/>
-      <p:sp>
-        <p:nvSpPr>
-          <p:cNvPr id="4" name="Rectangles 3"/>
+      <p:grpSpPr>
+        <a:xfrm>
+          <a:off x="0" y="0"/>
+          <a:ext cx="0" cy="0"/>
+          <a:chOff x="0" y="0"/>
+          <a:chExt cx="0" cy="0"/>
+        </a:xfrm>
+      </p:grpSpPr>
+      <p:pic>
+        <p:nvPicPr>
+          <p:cNvPr id="34" name="Picture 33" descr="wood_base"/>
+          <p:cNvPicPr>
+            <a:picLocks noChangeAspect="1"/>
+          </p:cNvPicPr>
+          <p:nvPr/>
+        </p:nvPicPr>
+        <p:blipFill>
+          <a:blip r:embed="rId1"/>
+          <a:stretch>
+            <a:fillRect/>
+          </a:stretch>
+        </p:blipFill>
+        <p:spPr>
+          <a:xfrm>
+            <a:off x="447675" y="1624330"/>
+            <a:ext cx="8795385" cy="4618355"/>
+          </a:xfrm>
+          <a:prstGeom prst="roundRect">
+            <a:avLst/>
+          </a:prstGeom>
+        </p:spPr>
+      </p:pic>
+      <p:pic>
+        <p:nvPicPr>
+          <p:cNvPr id="6" name="Picture 5" descr="flip_high"/>
+          <p:cNvPicPr>
+            <a:picLocks noChangeAspect="1"/>
+          </p:cNvPicPr>
+          <p:nvPr/>
+        </p:nvPicPr>
+        <p:blipFill>
+          <a:blip r:embed="rId2"/>
+          <a:stretch>
+            <a:fillRect/>
+          </a:stretch>
+        </p:blipFill>
+        <p:spPr>
+          <a:xfrm>
+            <a:off x="7203440" y="3848735"/>
+            <a:ext cx="374015" cy="822325"/>
+          </a:xfrm>
+          <a:prstGeom prst="rect">
+            <a:avLst/>
+          </a:prstGeom>
+        </p:spPr>
+      </p:pic>
+      <p:pic>
+        <p:nvPicPr>
+          <p:cNvPr id="3" name="Picture 2" descr="dark_wood"/>
+          <p:cNvPicPr>
+            <a:picLocks noChangeAspect="1"/>
+          </p:cNvPicPr>
+          <p:nvPr/>
+        </p:nvPicPr>
+        <p:blipFill>
+          <a:blip r:embed="rId3"/>
+          <a:srcRect l="1798" t="33333" b="55005"/>
+          <a:stretch>
+            <a:fillRect/>
+          </a:stretch>
+        </p:blipFill>
+        <p:spPr>
+          <a:xfrm>
+            <a:off x="999490" y="2869565"/>
+            <a:ext cx="7508240" cy="598805"/>
+          </a:xfrm>
+          <a:prstGeom prst="roundRect">
+            <a:avLst/>
+          </a:prstGeom>
+          <a:effectLst>
+            <a:innerShdw blurRad="114300" dir="12600000">
+              <a:prstClr val="black"/>
+            </a:innerShdw>
+          </a:effectLst>
+        </p:spPr>
+      </p:pic>
+      <p:pic>
+        <p:nvPicPr>
+          <p:cNvPr id="2" name="Picture 1" descr="dark_wood"/>
+          <p:cNvPicPr>
+            <a:picLocks noChangeAspect="1"/>
+          </p:cNvPicPr>
+          <p:nvPr/>
+        </p:nvPicPr>
+        <p:blipFill>
+          <a:blip r:embed="rId3"/>
+          <a:srcRect l="1798" t="33333" b="55005"/>
+          <a:stretch>
+            <a:fillRect/>
+          </a:stretch>
+        </p:blipFill>
+        <p:spPr>
+          <a:xfrm>
+            <a:off x="1006475" y="1995170"/>
+            <a:ext cx="7508240" cy="598805"/>
+          </a:xfrm>
+          <a:prstGeom prst="roundRect">
+            <a:avLst/>
+          </a:prstGeom>
+          <a:effectLst>
+            <a:innerShdw blurRad="114300" dir="12600000">
+              <a:prstClr val="black"/>
+            </a:innerShdw>
+          </a:effectLst>
+        </p:spPr>
+      </p:pic>
+      <p:pic>
+        <p:nvPicPr>
+          <p:cNvPr id="19" name="Picture 18" descr="ball1"/>
+          <p:cNvPicPr>
+            <a:picLocks noChangeAspect="1"/>
+          </p:cNvPicPr>
+          <p:nvPr/>
+        </p:nvPicPr>
+        <p:blipFill>
+          <a:blip r:embed="rId4"/>
+          <a:stretch>
+            <a:fillRect/>
+          </a:stretch>
+        </p:blipFill>
+        <p:spPr>
+          <a:xfrm>
+            <a:off x="7830820" y="2927985"/>
+            <a:ext cx="550545" cy="534035"/>
+          </a:xfrm>
+          <a:prstGeom prst="rect">
+            <a:avLst/>
+          </a:prstGeom>
+        </p:spPr>
+      </p:pic>
+      <p:pic>
+        <p:nvPicPr>
+          <p:cNvPr id="20" name="Picture 19" descr="ball2"/>
+          <p:cNvPicPr>
+            <a:picLocks noChangeAspect="1"/>
+          </p:cNvPicPr>
+          <p:nvPr/>
+        </p:nvPicPr>
+        <p:blipFill>
+          <a:blip r:embed="rId5"/>
+          <a:stretch>
+            <a:fillRect/>
+          </a:stretch>
+        </p:blipFill>
+        <p:spPr>
+          <a:xfrm>
+            <a:off x="7270115" y="2912745"/>
+            <a:ext cx="551180" cy="551180"/>
+          </a:xfrm>
+          <a:prstGeom prst="rect">
+            <a:avLst/>
+          </a:prstGeom>
+        </p:spPr>
+      </p:pic>
+      <p:pic>
+        <p:nvPicPr>
+          <p:cNvPr id="21" name="Picture 20" descr="ball3"/>
+          <p:cNvPicPr>
+            <a:picLocks noChangeAspect="1"/>
+          </p:cNvPicPr>
+          <p:nvPr/>
+        </p:nvPicPr>
+        <p:blipFill>
+          <a:blip r:embed="rId6"/>
+          <a:stretch>
+            <a:fillRect/>
+          </a:stretch>
+        </p:blipFill>
+        <p:spPr>
+          <a:xfrm>
+            <a:off x="6708775" y="2921635"/>
+            <a:ext cx="542290" cy="537845"/>
+          </a:xfrm>
+          <a:prstGeom prst="rect">
+            <a:avLst/>
+          </a:prstGeom>
+        </p:spPr>
+      </p:pic>
+      <p:sp>
+        <p:nvSpPr>
+          <p:cNvPr id="36" name="Text Box 35"/>
+          <p:cNvSpPr txBox="1"/>
+          <p:nvPr/>
+        </p:nvSpPr>
+        <p:spPr>
+          <a:xfrm>
+            <a:off x="6289675" y="3848735"/>
+            <a:ext cx="730885" cy="245110"/>
+          </a:xfrm>
+          <a:prstGeom prst="rect">
+            <a:avLst/>
+          </a:prstGeom>
+          <a:noFill/>
+        </p:spPr>
+        <p:txBody>
+          <a:bodyPr wrap="none" rtlCol="0">
+            <a:spAutoFit/>
+          </a:bodyPr>
+          <a:p>
+            <a:r>
+              <a:rPr lang="en-US" sz="1000">
+                <a:latin typeface="Segoe Script" panose="030B0504020000000003" charset="0"/>
+                <a:cs typeface="Segoe Script" panose="030B0504020000000003" charset="0"/>
+              </a:rPr>
+              <a:t>Priority</a:t>
+            </a:r>
+            <a:endParaRPr lang="en-US" sz="1000">
+              <a:latin typeface="Segoe Script" panose="030B0504020000000003" charset="0"/>
+              <a:cs typeface="Segoe Script" panose="030B0504020000000003" charset="0"/>
+            </a:endParaRPr>
+          </a:p>
+        </p:txBody>
+      </p:sp>
+      <p:sp>
+        <p:nvSpPr>
+          <p:cNvPr id="37" name="Text Box 36"/>
+          <p:cNvSpPr txBox="1"/>
+          <p:nvPr/>
+        </p:nvSpPr>
+        <p:spPr>
+          <a:xfrm>
+            <a:off x="6263005" y="4124325"/>
+            <a:ext cx="811530" cy="245110"/>
+          </a:xfrm>
+          <a:prstGeom prst="rect">
+            <a:avLst/>
+          </a:prstGeom>
+          <a:noFill/>
+        </p:spPr>
+        <p:txBody>
+          <a:bodyPr wrap="none" rtlCol="0">
+            <a:spAutoFit/>
+          </a:bodyPr>
+          <a:p>
+            <a:r>
+              <a:rPr lang="en-US" sz="1000">
+                <a:latin typeface="Segoe Script" panose="030B0504020000000003" charset="0"/>
+                <a:cs typeface="Segoe Script" panose="030B0504020000000003" charset="0"/>
+              </a:rPr>
+              <a:t>Deadline</a:t>
+            </a:r>
+            <a:endParaRPr lang="en-US" sz="1000">
+              <a:latin typeface="Segoe Script" panose="030B0504020000000003" charset="0"/>
+              <a:cs typeface="Segoe Script" panose="030B0504020000000003" charset="0"/>
+            </a:endParaRPr>
+          </a:p>
+        </p:txBody>
+      </p:sp>
+      <p:sp>
+        <p:nvSpPr>
+          <p:cNvPr id="38" name="Text Box 37"/>
+          <p:cNvSpPr txBox="1"/>
+          <p:nvPr/>
+        </p:nvSpPr>
+        <p:spPr>
+          <a:xfrm>
+            <a:off x="6241415" y="4399915"/>
+            <a:ext cx="877570" cy="245110"/>
+          </a:xfrm>
+          <a:prstGeom prst="rect">
+            <a:avLst/>
+          </a:prstGeom>
+          <a:noFill/>
+        </p:spPr>
+        <p:txBody>
+          <a:bodyPr wrap="none" rtlCol="0">
+            <a:spAutoFit/>
+          </a:bodyPr>
+          <a:p>
+            <a:r>
+              <a:rPr lang="en-US" sz="1000">
+                <a:latin typeface="Segoe Script" panose="030B0504020000000003" charset="0"/>
+                <a:cs typeface="Segoe Script" panose="030B0504020000000003" charset="0"/>
+              </a:rPr>
+              <a:t>Combined</a:t>
+            </a:r>
+            <a:endParaRPr lang="en-US" sz="1000">
+              <a:latin typeface="Segoe Script" panose="030B0504020000000003" charset="0"/>
+              <a:cs typeface="Segoe Script" panose="030B0504020000000003" charset="0"/>
+            </a:endParaRPr>
+          </a:p>
+        </p:txBody>
+      </p:sp>
+      <p:sp>
+        <p:nvSpPr>
+          <p:cNvPr id="47" name="Text Box 46"/>
+          <p:cNvSpPr txBox="1"/>
+          <p:nvPr/>
+        </p:nvSpPr>
+        <p:spPr>
+          <a:xfrm>
+            <a:off x="1017270" y="3680460"/>
+            <a:ext cx="2381250" cy="306705"/>
+          </a:xfrm>
+          <a:prstGeom prst="rect">
+            <a:avLst/>
+          </a:prstGeom>
+          <a:noFill/>
+        </p:spPr>
+        <p:txBody>
+          <a:bodyPr wrap="none" rtlCol="0">
+            <a:spAutoFit/>
+          </a:bodyPr>
+          <a:p>
+            <a:r>
+              <a:rPr lang="en-US" sz="1000">
+                <a:latin typeface="Segoe Script" panose="030B0504020000000003" charset="0"/>
+                <a:cs typeface="Segoe Script" panose="030B0504020000000003" charset="0"/>
+              </a:rPr>
+              <a:t>Priority  :      </a:t>
+            </a:r>
+            <a:r>
+              <a:rPr lang="en-US" sz="1400">
+                <a:solidFill>
+                  <a:srgbClr val="FF0000"/>
+                </a:solidFill>
+                <a:latin typeface="Bahnschrift SemiBold" panose="020B0502040204020203" charset="0"/>
+                <a:cs typeface="Bahnschrift SemiBold" panose="020B0502040204020203" charset="0"/>
+              </a:rPr>
+              <a:t>High/ </a:t>
+            </a:r>
+            <a:r>
+              <a:rPr lang="en-US" sz="1400">
+                <a:solidFill>
+                  <a:schemeClr val="accent1">
+                    <a:lumMod val="50000"/>
+                  </a:schemeClr>
+                </a:solidFill>
+                <a:latin typeface="Bahnschrift SemiBold" panose="020B0502040204020203" charset="0"/>
+                <a:cs typeface="Bahnschrift SemiBold" panose="020B0502040204020203" charset="0"/>
+              </a:rPr>
+              <a:t>Mid/</a:t>
+            </a:r>
+            <a:r>
+              <a:rPr lang="en-US" sz="1400">
+                <a:solidFill>
+                  <a:schemeClr val="accent2">
+                    <a:lumMod val="50000"/>
+                  </a:schemeClr>
+                </a:solidFill>
+                <a:latin typeface="Bahnschrift SemiBold" panose="020B0502040204020203" charset="0"/>
+                <a:cs typeface="Bahnschrift SemiBold" panose="020B0502040204020203" charset="0"/>
+              </a:rPr>
+              <a:t> </a:t>
+            </a:r>
+            <a:r>
+              <a:rPr lang="en-US" sz="1400">
+                <a:solidFill>
+                  <a:schemeClr val="accent6">
+                    <a:lumMod val="75000"/>
+                  </a:schemeClr>
+                </a:solidFill>
+                <a:latin typeface="Bahnschrift SemiBold" panose="020B0502040204020203" charset="0"/>
+                <a:cs typeface="Bahnschrift SemiBold" panose="020B0502040204020203" charset="0"/>
+              </a:rPr>
+              <a:t>Low</a:t>
+            </a:r>
+            <a:endParaRPr lang="en-US" sz="1400">
+              <a:solidFill>
+                <a:schemeClr val="accent6">
+                  <a:lumMod val="75000"/>
+                </a:schemeClr>
+              </a:solidFill>
+              <a:latin typeface="Bahnschrift SemiBold" panose="020B0502040204020203" charset="0"/>
+              <a:cs typeface="Bahnschrift SemiBold" panose="020B0502040204020203" charset="0"/>
+            </a:endParaRPr>
+          </a:p>
+        </p:txBody>
+      </p:sp>
+      <p:sp>
+        <p:nvSpPr>
+          <p:cNvPr id="48" name="Text Box 47"/>
+          <p:cNvSpPr txBox="1"/>
+          <p:nvPr/>
+        </p:nvSpPr>
+        <p:spPr>
+          <a:xfrm>
+            <a:off x="8533765" y="2203450"/>
+            <a:ext cx="586740" cy="245110"/>
+          </a:xfrm>
+          <a:prstGeom prst="rect">
+            <a:avLst/>
+          </a:prstGeom>
+          <a:noFill/>
+        </p:spPr>
+        <p:txBody>
+          <a:bodyPr wrap="none" rtlCol="0">
+            <a:spAutoFit/>
+          </a:bodyPr>
+          <a:p>
+            <a:r>
+              <a:rPr lang="en-US" sz="1000">
+                <a:latin typeface="Segoe Script" panose="030B0504020000000003" charset="0"/>
+                <a:cs typeface="Segoe Script" panose="030B0504020000000003" charset="0"/>
+              </a:rPr>
+              <a:t>TODO</a:t>
+            </a:r>
+            <a:endParaRPr lang="en-US" sz="1000">
+              <a:latin typeface="Segoe Script" panose="030B0504020000000003" charset="0"/>
+              <a:cs typeface="Segoe Script" panose="030B0504020000000003" charset="0"/>
+            </a:endParaRPr>
+          </a:p>
+        </p:txBody>
+      </p:sp>
+      <p:sp>
+        <p:nvSpPr>
+          <p:cNvPr id="49" name="Text Box 48"/>
+          <p:cNvSpPr txBox="1"/>
+          <p:nvPr/>
+        </p:nvSpPr>
+        <p:spPr>
+          <a:xfrm>
+            <a:off x="8524240" y="3065780"/>
+            <a:ext cx="596900" cy="245110"/>
+          </a:xfrm>
+          <a:prstGeom prst="rect">
+            <a:avLst/>
+          </a:prstGeom>
+          <a:noFill/>
+        </p:spPr>
+        <p:txBody>
+          <a:bodyPr wrap="none" rtlCol="0">
+            <a:spAutoFit/>
+          </a:bodyPr>
+          <a:p>
+            <a:r>
+              <a:rPr lang="en-US" sz="1000">
+                <a:latin typeface="Segoe Script" panose="030B0504020000000003" charset="0"/>
+                <a:cs typeface="Segoe Script" panose="030B0504020000000003" charset="0"/>
+              </a:rPr>
+              <a:t>DONE</a:t>
+            </a:r>
+            <a:endParaRPr lang="en-US" sz="1000">
+              <a:latin typeface="Segoe Script" panose="030B0504020000000003" charset="0"/>
+              <a:cs typeface="Segoe Script" panose="030B0504020000000003" charset="0"/>
+            </a:endParaRPr>
+          </a:p>
+        </p:txBody>
+      </p:sp>
+      <p:sp>
+        <p:nvSpPr>
+          <p:cNvPr id="50" name="Text Box 49"/>
+          <p:cNvSpPr txBox="1"/>
+          <p:nvPr/>
+        </p:nvSpPr>
+        <p:spPr>
+          <a:xfrm>
+            <a:off x="1008380" y="3937635"/>
+            <a:ext cx="1994535" cy="306705"/>
+          </a:xfrm>
+          <a:prstGeom prst="rect">
+            <a:avLst/>
+          </a:prstGeom>
+          <a:noFill/>
+        </p:spPr>
+        <p:txBody>
+          <a:bodyPr wrap="none" rtlCol="0">
+            <a:spAutoFit/>
+          </a:bodyPr>
+          <a:p>
+            <a:r>
+              <a:rPr lang="en-US" sz="1000">
+                <a:latin typeface="Segoe Script" panose="030B0504020000000003" charset="0"/>
+                <a:cs typeface="Segoe Script" panose="030B0504020000000003" charset="0"/>
+              </a:rPr>
+              <a:t>Deadline :      </a:t>
+            </a:r>
+            <a:r>
+              <a:rPr lang="en-US" sz="1400">
+                <a:latin typeface="Bahnschrift SemiBold" panose="020B0502040204020203" charset="0"/>
+                <a:cs typeface="Bahnschrift SemiBold" panose="020B0502040204020203" charset="0"/>
+              </a:rPr>
+              <a:t>2021/10/10</a:t>
+            </a:r>
+            <a:endParaRPr lang="en-US" sz="1400">
+              <a:latin typeface="Bahnschrift SemiBold" panose="020B0502040204020203" charset="0"/>
+              <a:cs typeface="Bahnschrift SemiBold" panose="020B0502040204020203" charset="0"/>
+            </a:endParaRPr>
+          </a:p>
+        </p:txBody>
+      </p:sp>
+      <p:sp>
+        <p:nvSpPr>
+          <p:cNvPr id="51" name="Text Box 50"/>
+          <p:cNvSpPr txBox="1"/>
+          <p:nvPr/>
+        </p:nvSpPr>
+        <p:spPr>
+          <a:xfrm>
+            <a:off x="1008380" y="4208145"/>
+            <a:ext cx="2758440" cy="306705"/>
+          </a:xfrm>
+          <a:prstGeom prst="rect">
+            <a:avLst/>
+          </a:prstGeom>
+          <a:noFill/>
+        </p:spPr>
+        <p:txBody>
+          <a:bodyPr wrap="none" rtlCol="0">
+            <a:spAutoFit/>
+          </a:bodyPr>
+          <a:p>
+            <a:r>
+              <a:rPr lang="en-US" sz="1000">
+                <a:latin typeface="Segoe Script" panose="030B0504020000000003" charset="0"/>
+                <a:cs typeface="Segoe Script" panose="030B0504020000000003" charset="0"/>
+              </a:rPr>
+              <a:t>Detail     :      </a:t>
+            </a:r>
+            <a:r>
+              <a:rPr lang="en-US" sz="1400">
+                <a:latin typeface="Bahnschrift SemiBold" panose="020B0502040204020203" charset="0"/>
+                <a:cs typeface="Bahnschrift SemiBold" panose="020B0502040204020203" charset="0"/>
+              </a:rPr>
+              <a:t>CRID..... Condition...</a:t>
+            </a:r>
+            <a:r>
+              <a:rPr lang="en-US" sz="1000">
+                <a:latin typeface="Segoe Script" panose="030B0504020000000003" charset="0"/>
+                <a:cs typeface="Segoe Script" panose="030B0504020000000003" charset="0"/>
+              </a:rPr>
+              <a:t> </a:t>
+            </a:r>
+            <a:endParaRPr lang="en-US" sz="1000">
+              <a:latin typeface="Segoe Script" panose="030B0504020000000003" charset="0"/>
+              <a:cs typeface="Segoe Script" panose="030B0504020000000003" charset="0"/>
+            </a:endParaRPr>
+          </a:p>
+        </p:txBody>
+      </p:sp>
+      <p:sp>
+        <p:nvSpPr>
+          <p:cNvPr id="52" name="Text Box 51"/>
+          <p:cNvSpPr txBox="1"/>
+          <p:nvPr/>
+        </p:nvSpPr>
+        <p:spPr>
+          <a:xfrm>
+            <a:off x="1017270" y="4658995"/>
+            <a:ext cx="2329180" cy="306705"/>
+          </a:xfrm>
+          <a:prstGeom prst="rect">
+            <a:avLst/>
+          </a:prstGeom>
+          <a:noFill/>
+        </p:spPr>
+        <p:txBody>
+          <a:bodyPr wrap="none" rtlCol="0">
+            <a:spAutoFit/>
+          </a:bodyPr>
+          <a:p>
+            <a:r>
+              <a:rPr lang="en-US" sz="1000">
+                <a:latin typeface="Segoe Script" panose="030B0504020000000003" charset="0"/>
+                <a:cs typeface="Segoe Script" panose="030B0504020000000003" charset="0"/>
+              </a:rPr>
+              <a:t>Next       :      </a:t>
+            </a:r>
+            <a:r>
+              <a:rPr lang="en-US" sz="1400">
+                <a:latin typeface="Bahnschrift SemiBold" panose="020B0502040204020203" charset="0"/>
+                <a:cs typeface="Bahnschrift SemiBold" panose="020B0502040204020203" charset="0"/>
+              </a:rPr>
+              <a:t>Next... move...</a:t>
+            </a:r>
+            <a:r>
+              <a:rPr lang="en-US" sz="1000">
+                <a:latin typeface="Segoe Script" panose="030B0504020000000003" charset="0"/>
+                <a:cs typeface="Segoe Script" panose="030B0504020000000003" charset="0"/>
+              </a:rPr>
+              <a:t> </a:t>
+            </a:r>
+            <a:endParaRPr lang="en-US" sz="1000">
+              <a:latin typeface="Segoe Script" panose="030B0504020000000003" charset="0"/>
+              <a:cs typeface="Segoe Script" panose="030B0504020000000003" charset="0"/>
+            </a:endParaRPr>
+          </a:p>
+        </p:txBody>
+      </p:sp>
+      <p:sp>
+        <p:nvSpPr>
+          <p:cNvPr id="53" name="Text Box 52"/>
+          <p:cNvSpPr txBox="1"/>
+          <p:nvPr/>
+        </p:nvSpPr>
+        <p:spPr>
+          <a:xfrm>
+            <a:off x="8235315" y="908050"/>
+            <a:ext cx="2368550" cy="645160"/>
+          </a:xfrm>
+          <a:prstGeom prst="rect">
+            <a:avLst/>
+          </a:prstGeom>
+          <a:noFill/>
+        </p:spPr>
+        <p:txBody>
+          <a:bodyPr wrap="none" rtlCol="0">
+            <a:spAutoFit/>
+          </a:bodyPr>
+          <a:p>
+            <a:r>
+              <a:rPr lang="en-US" sz="1200"/>
+              <a:t>Click twice on TODO items will </a:t>
+            </a:r>
+            <a:endParaRPr lang="en-US" sz="1200"/>
+          </a:p>
+          <a:p>
+            <a:r>
+              <a:rPr lang="en-US" sz="1200"/>
+              <a:t>move the item to DONE rack</a:t>
+            </a:r>
+            <a:endParaRPr lang="en-US" sz="1200"/>
+          </a:p>
+          <a:p>
+            <a:r>
+              <a:rPr lang="en-US" sz="1200"/>
+              <a:t>Likewise for the items in DONE rack</a:t>
+            </a:r>
+            <a:endParaRPr lang="en-US" sz="1200"/>
+          </a:p>
+        </p:txBody>
+      </p:sp>
+      <p:cxnSp>
+        <p:nvCxnSpPr>
+          <p:cNvPr id="54" name="Straight Arrow Connector 53"/>
+          <p:cNvCxnSpPr/>
+          <p:nvPr/>
+        </p:nvCxnSpPr>
+        <p:spPr>
+          <a:xfrm flipH="1">
+            <a:off x="7972425" y="1355090"/>
+            <a:ext cx="738505" cy="596265"/>
+          </a:xfrm>
+          <a:prstGeom prst="straightConnector1">
+            <a:avLst/>
+          </a:prstGeom>
+          <a:ln w="12700">
+            <a:solidFill>
+              <a:schemeClr val="bg1">
+                <a:lumMod val="50000"/>
+              </a:schemeClr>
+            </a:solidFill>
+            <a:tailEnd type="arrow"/>
+          </a:ln>
+        </p:spPr>
+        <p:style>
+          <a:lnRef idx="1">
+            <a:schemeClr val="accent1"/>
+          </a:lnRef>
+          <a:fillRef idx="0">
+            <a:schemeClr val="accent1"/>
+          </a:fillRef>
+          <a:effectRef idx="0">
+            <a:schemeClr val="accent1"/>
+          </a:effectRef>
+          <a:fontRef idx="minor">
+            <a:schemeClr val="tx1"/>
+          </a:fontRef>
+        </p:style>
+      </p:cxnSp>
+      <p:sp>
+        <p:nvSpPr>
+          <p:cNvPr id="55" name="Oval 54"/>
           <p:cNvSpPr/>
           <p:nvPr/>
         </p:nvSpPr>
         <p:spPr>
           <a:xfrm>
-            <a:off x="4250055" y="946785"/>
-            <a:ext cx="9700260" cy="4422140"/>
-          </a:xfrm>
-          <a:prstGeom prst="rect">
-            <a:avLst/>
-          </a:prstGeom>
+            <a:off x="7625715" y="1842770"/>
+            <a:ext cx="114300" cy="94615"/>
+          </a:xfrm>
+          <a:prstGeom prst="ellipse">
+            <a:avLst/>
+          </a:prstGeom>
+          <a:solidFill>
+            <a:srgbClr val="FF0000"/>
+          </a:solidFill>
+          <a:ln>
+            <a:noFill/>
+          </a:ln>
         </p:spPr>
         <p:style>
           <a:lnRef idx="2">
@@ -4250,307 +5475,532 @@
           </a:p>
         </p:txBody>
       </p:sp>
-      <p:sp>
-        <p:nvSpPr>
-          <p:cNvPr id="21" name="Rounded Rectangle 20"/>
-          <p:cNvSpPr/>
-          <p:nvPr/>
-        </p:nvSpPr>
-        <p:spPr>
-          <a:xfrm>
-            <a:off x="2957195" y="2971165"/>
-            <a:ext cx="76200" cy="1350645"/>
-          </a:xfrm>
-          <a:prstGeom prst="roundRect">
-            <a:avLst/>
-          </a:prstGeom>
-          <a:solidFill>
-            <a:schemeClr val="bg1">
-              <a:lumMod val="50000"/>
-            </a:schemeClr>
-          </a:solidFill>
-          <a:ln>
-            <a:noFill/>
+      <p:cxnSp>
+        <p:nvCxnSpPr>
+          <p:cNvPr id="56" name="Straight Arrow Connector 55"/>
+          <p:cNvCxnSpPr>
+            <a:endCxn id="55" idx="0"/>
+          </p:cNvCxnSpPr>
+          <p:nvPr/>
+        </p:nvCxnSpPr>
+        <p:spPr>
+          <a:xfrm>
+            <a:off x="7369810" y="1297940"/>
+            <a:ext cx="313055" cy="544830"/>
+          </a:xfrm>
+          <a:prstGeom prst="straightConnector1">
+            <a:avLst/>
+          </a:prstGeom>
+          <a:ln w="12700">
+            <a:solidFill>
+              <a:schemeClr val="bg1">
+                <a:lumMod val="50000"/>
+              </a:schemeClr>
+            </a:solidFill>
+            <a:tailEnd type="arrow"/>
           </a:ln>
-          <a:effectLst>
-            <a:innerShdw blurRad="63500" dist="50800" dir="2700000">
-              <a:prstClr val="black">
-                <a:alpha val="50000"/>
-              </a:prstClr>
-            </a:innerShdw>
-          </a:effectLst>
         </p:spPr>
         <p:style>
-          <a:lnRef idx="2">
-            <a:schemeClr val="accent1">
-              <a:shade val="50000"/>
-            </a:schemeClr>
+          <a:lnRef idx="1">
+            <a:schemeClr val="accent1"/>
           </a:lnRef>
-          <a:fillRef idx="1">
+          <a:fillRef idx="0">
             <a:schemeClr val="accent1"/>
           </a:fillRef>
           <a:effectRef idx="0">
             <a:schemeClr val="accent1"/>
           </a:effectRef>
           <a:fontRef idx="minor">
-            <a:schemeClr val="lt1"/>
+            <a:schemeClr val="tx1"/>
           </a:fontRef>
         </p:style>
-        <p:txBody>
-          <a:bodyPr rtlCol="0" anchor="ctr"/>
-          <a:p>
-            <a:pPr algn="ctr"/>
-            <a:endParaRPr lang="en-US"/>
-          </a:p>
-        </p:txBody>
-      </p:sp>
-      <p:grpSp>
-        <p:nvGrpSpPr>
-          <p:cNvPr id="27" name="Group 26"/>
-          <p:cNvGrpSpPr/>
-          <p:nvPr/>
-        </p:nvGrpSpPr>
-        <p:grpSpPr>
-          <a:xfrm rot="0">
-            <a:off x="2709545" y="3907790"/>
-            <a:ext cx="571500" cy="238125"/>
-            <a:chOff x="9158" y="4380"/>
-            <a:chExt cx="4986" cy="2426"/>
-          </a:xfrm>
-        </p:grpSpPr>
-        <p:sp>
-          <p:nvSpPr>
-            <p:cNvPr id="22" name="Rounded Rectangle 21"/>
-            <p:cNvSpPr/>
-            <p:nvPr/>
-          </p:nvSpPr>
-          <p:spPr>
-            <a:xfrm>
-              <a:off x="9158" y="4380"/>
-              <a:ext cx="4987" cy="2426"/>
-            </a:xfrm>
-            <a:prstGeom prst="roundRect">
-              <a:avLst/>
-            </a:prstGeom>
+      </p:cxnSp>
+      <p:sp>
+        <p:nvSpPr>
+          <p:cNvPr id="57" name="Text Box 56"/>
+          <p:cNvSpPr txBox="1"/>
+          <p:nvPr/>
+        </p:nvSpPr>
+        <p:spPr>
+          <a:xfrm>
+            <a:off x="5578475" y="540385"/>
+            <a:ext cx="2038350" cy="829945"/>
+          </a:xfrm>
+          <a:prstGeom prst="rect">
+            <a:avLst/>
+          </a:prstGeom>
+          <a:noFill/>
+        </p:spPr>
+        <p:txBody>
+          <a:bodyPr wrap="none" rtlCol="0">
+            <a:spAutoFit/>
+          </a:bodyPr>
+          <a:p>
+            <a:r>
+              <a:rPr lang="en-US" sz="1200"/>
+              <a:t>Click on TODO items will </a:t>
+            </a:r>
+            <a:endParaRPr lang="en-US" sz="1200"/>
+          </a:p>
+          <a:p>
+            <a:r>
+              <a:rPr lang="en-US" sz="1200"/>
+              <a:t>put a red dot on the item </a:t>
+            </a:r>
+            <a:endParaRPr lang="en-US" sz="1200"/>
+          </a:p>
+          <a:p>
+            <a:r>
+              <a:rPr lang="en-US" sz="1200"/>
+              <a:t>information section will show </a:t>
+            </a:r>
+            <a:endParaRPr lang="en-US" sz="1200"/>
+          </a:p>
+          <a:p>
+            <a:r>
+              <a:rPr lang="en-US" sz="1200"/>
+              <a:t>related info</a:t>
+            </a:r>
+            <a:endParaRPr lang="en-US" sz="1200"/>
+          </a:p>
+        </p:txBody>
+      </p:sp>
+      <p:cxnSp>
+        <p:nvCxnSpPr>
+          <p:cNvPr id="59" name="Straight Arrow Connector 58"/>
+          <p:cNvCxnSpPr/>
+          <p:nvPr/>
+        </p:nvCxnSpPr>
+        <p:spPr>
+          <a:xfrm flipH="1" flipV="1">
+            <a:off x="3398520" y="4833620"/>
+            <a:ext cx="490220" cy="743585"/>
+          </a:xfrm>
+          <a:prstGeom prst="straightConnector1">
+            <a:avLst/>
+          </a:prstGeom>
+          <a:ln w="12700">
             <a:solidFill>
-              <a:srgbClr val="FF0000"/>
+              <a:schemeClr val="bg1">
+                <a:lumMod val="50000"/>
+              </a:schemeClr>
             </a:solidFill>
-            <a:ln>
-              <a:noFill/>
-            </a:ln>
-            <a:effectLst>
-              <a:innerShdw blurRad="63500" dist="50800" dir="2700000">
-                <a:prstClr val="black">
-                  <a:alpha val="50000"/>
-                </a:prstClr>
-              </a:innerShdw>
-            </a:effectLst>
-          </p:spPr>
-          <p:style>
-            <a:lnRef idx="2">
-              <a:schemeClr val="accent1">
-                <a:shade val="50000"/>
+            <a:tailEnd type="arrow"/>
+          </a:ln>
+        </p:spPr>
+        <p:style>
+          <a:lnRef idx="1">
+            <a:schemeClr val="accent1"/>
+          </a:lnRef>
+          <a:fillRef idx="0">
+            <a:schemeClr val="accent1"/>
+          </a:fillRef>
+          <a:effectRef idx="0">
+            <a:schemeClr val="accent1"/>
+          </a:effectRef>
+          <a:fontRef idx="minor">
+            <a:schemeClr val="tx1"/>
+          </a:fontRef>
+        </p:style>
+      </p:cxnSp>
+      <p:sp>
+        <p:nvSpPr>
+          <p:cNvPr id="60" name="Text Box 59"/>
+          <p:cNvSpPr txBox="1"/>
+          <p:nvPr/>
+        </p:nvSpPr>
+        <p:spPr>
+          <a:xfrm>
+            <a:off x="3489325" y="5577205"/>
+            <a:ext cx="1724660" cy="460375"/>
+          </a:xfrm>
+          <a:prstGeom prst="rect">
+            <a:avLst/>
+          </a:prstGeom>
+          <a:noFill/>
+        </p:spPr>
+        <p:txBody>
+          <a:bodyPr wrap="none" rtlCol="0">
+            <a:spAutoFit/>
+          </a:bodyPr>
+          <a:p>
+            <a:r>
+              <a:rPr lang="en-US" sz="1200"/>
+              <a:t>Can be directly modified </a:t>
+            </a:r>
+            <a:endParaRPr lang="en-US" sz="1200"/>
+          </a:p>
+          <a:p>
+            <a:r>
+              <a:rPr lang="en-US" sz="1200"/>
+              <a:t>in the info column here</a:t>
+            </a:r>
+            <a:endParaRPr lang="en-US" sz="1200"/>
+          </a:p>
+        </p:txBody>
+      </p:sp>
+      <p:sp>
+        <p:nvSpPr>
+          <p:cNvPr id="61" name="Text Box 60"/>
+          <p:cNvSpPr txBox="1"/>
+          <p:nvPr/>
+        </p:nvSpPr>
+        <p:spPr>
+          <a:xfrm>
+            <a:off x="4320540" y="4471035"/>
+            <a:ext cx="2000885" cy="829945"/>
+          </a:xfrm>
+          <a:prstGeom prst="rect">
+            <a:avLst/>
+          </a:prstGeom>
+          <a:noFill/>
+        </p:spPr>
+        <p:txBody>
+          <a:bodyPr wrap="none" rtlCol="0">
+            <a:spAutoFit/>
+          </a:bodyPr>
+          <a:p>
+            <a:r>
+              <a:rPr lang="en-US" sz="1200"/>
+              <a:t>Sort the TODO rack based on </a:t>
+            </a:r>
+            <a:endParaRPr lang="en-US" sz="1200"/>
+          </a:p>
+          <a:p>
+            <a:r>
+              <a:rPr lang="en-US" sz="1200"/>
+              <a:t>different attribute</a:t>
+            </a:r>
+            <a:endParaRPr lang="en-US" sz="1200"/>
+          </a:p>
+          <a:p>
+            <a:r>
+              <a:rPr lang="en-US" sz="1200"/>
+              <a:t>Click on the draw button will </a:t>
+            </a:r>
+            <a:endParaRPr lang="en-US" sz="1200"/>
+          </a:p>
+          <a:p>
+            <a:r>
+              <a:rPr lang="en-US" sz="1200"/>
+              <a:t>switch the term (cycling)</a:t>
+            </a:r>
+            <a:endParaRPr lang="en-US" sz="1200"/>
+          </a:p>
+        </p:txBody>
+      </p:sp>
+      <p:cxnSp>
+        <p:nvCxnSpPr>
+          <p:cNvPr id="62" name="Straight Arrow Connector 61"/>
+          <p:cNvCxnSpPr/>
+          <p:nvPr/>
+        </p:nvCxnSpPr>
+        <p:spPr>
+          <a:xfrm flipV="1">
+            <a:off x="5432425" y="4255770"/>
+            <a:ext cx="767715" cy="213360"/>
+          </a:xfrm>
+          <a:prstGeom prst="straightConnector1">
+            <a:avLst/>
+          </a:prstGeom>
+          <a:ln w="12700">
+            <a:solidFill>
+              <a:schemeClr val="bg1">
+                <a:lumMod val="50000"/>
               </a:schemeClr>
-            </a:lnRef>
-            <a:fillRef idx="1">
-              <a:schemeClr val="accent1"/>
-            </a:fillRef>
-            <a:effectRef idx="0">
-              <a:schemeClr val="accent1"/>
-            </a:effectRef>
-            <a:fontRef idx="minor">
-              <a:schemeClr val="lt1"/>
-            </a:fontRef>
-          </p:style>
-          <p:txBody>
-            <a:bodyPr rtlCol="0" anchor="ctr"/>
-            <a:p>
-              <a:pPr algn="ctr"/>
-              <a:endParaRPr lang="en-US"/>
-            </a:p>
-          </p:txBody>
-        </p:sp>
-        <p:sp>
-          <p:nvSpPr>
-            <p:cNvPr id="23" name="Rectangles 22"/>
-            <p:cNvSpPr/>
-            <p:nvPr/>
-          </p:nvSpPr>
-          <p:spPr>
-            <a:xfrm>
-              <a:off x="9838" y="4395"/>
-              <a:ext cx="494" cy="2397"/>
-            </a:xfrm>
-            <a:prstGeom prst="rect">
-              <a:avLst/>
-            </a:prstGeom>
+            </a:solidFill>
+            <a:tailEnd type="arrow"/>
+          </a:ln>
+        </p:spPr>
+        <p:style>
+          <a:lnRef idx="1">
+            <a:schemeClr val="accent1"/>
+          </a:lnRef>
+          <a:fillRef idx="0">
+            <a:schemeClr val="accent1"/>
+          </a:fillRef>
+          <a:effectRef idx="0">
+            <a:schemeClr val="accent1"/>
+          </a:effectRef>
+          <a:fontRef idx="minor">
+            <a:schemeClr val="tx1"/>
+          </a:fontRef>
+        </p:style>
+      </p:cxnSp>
+      <p:cxnSp>
+        <p:nvCxnSpPr>
+          <p:cNvPr id="63" name="Straight Arrow Connector 62"/>
+          <p:cNvCxnSpPr/>
+          <p:nvPr/>
+        </p:nvCxnSpPr>
+        <p:spPr>
+          <a:xfrm flipH="1" flipV="1">
+            <a:off x="8729980" y="5425440"/>
+            <a:ext cx="655955" cy="66675"/>
+          </a:xfrm>
+          <a:prstGeom prst="straightConnector1">
+            <a:avLst/>
+          </a:prstGeom>
+          <a:ln w="12700">
             <a:solidFill>
-              <a:srgbClr val="C00000"/>
+              <a:schemeClr val="bg1">
+                <a:lumMod val="50000"/>
+              </a:schemeClr>
             </a:solidFill>
-            <a:ln>
-              <a:noFill/>
-            </a:ln>
-          </p:spPr>
-          <p:style>
-            <a:lnRef idx="2">
-              <a:schemeClr val="accent1">
-                <a:shade val="50000"/>
-              </a:schemeClr>
-            </a:lnRef>
-            <a:fillRef idx="1">
-              <a:schemeClr val="accent1"/>
-            </a:fillRef>
-            <a:effectRef idx="0">
-              <a:schemeClr val="accent1"/>
-            </a:effectRef>
-            <a:fontRef idx="minor">
-              <a:schemeClr val="lt1"/>
-            </a:fontRef>
-          </p:style>
-          <p:txBody>
-            <a:bodyPr rtlCol="0" anchor="ctr"/>
-            <a:p>
-              <a:pPr algn="ctr"/>
-              <a:endParaRPr lang="en-US"/>
-            </a:p>
-          </p:txBody>
-        </p:sp>
-        <p:sp>
-          <p:nvSpPr>
-            <p:cNvPr id="24" name="Rectangles 23"/>
-            <p:cNvSpPr/>
-            <p:nvPr/>
-          </p:nvSpPr>
-          <p:spPr>
-            <a:xfrm>
-              <a:off x="10937" y="4380"/>
-              <a:ext cx="494" cy="2397"/>
-            </a:xfrm>
-            <a:prstGeom prst="rect">
-              <a:avLst/>
-            </a:prstGeom>
-            <a:solidFill>
-              <a:srgbClr val="C00000"/>
-            </a:solidFill>
-            <a:ln>
-              <a:noFill/>
-            </a:ln>
-          </p:spPr>
-          <p:style>
-            <a:lnRef idx="2">
-              <a:schemeClr val="accent1">
-                <a:shade val="50000"/>
-              </a:schemeClr>
-            </a:lnRef>
-            <a:fillRef idx="1">
-              <a:schemeClr val="accent1"/>
-            </a:fillRef>
-            <a:effectRef idx="0">
-              <a:schemeClr val="accent1"/>
-            </a:effectRef>
-            <a:fontRef idx="minor">
-              <a:schemeClr val="lt1"/>
-            </a:fontRef>
-          </p:style>
-          <p:txBody>
-            <a:bodyPr rtlCol="0" anchor="ctr"/>
-            <a:p>
-              <a:pPr algn="ctr"/>
-              <a:endParaRPr lang="en-US"/>
-            </a:p>
-          </p:txBody>
-        </p:sp>
-        <p:sp>
-          <p:nvSpPr>
-            <p:cNvPr id="25" name="Rectangles 24"/>
-            <p:cNvSpPr/>
-            <p:nvPr/>
-          </p:nvSpPr>
-          <p:spPr>
-            <a:xfrm>
-              <a:off x="12036" y="4395"/>
-              <a:ext cx="494" cy="2397"/>
-            </a:xfrm>
-            <a:prstGeom prst="rect">
-              <a:avLst/>
-            </a:prstGeom>
-            <a:solidFill>
-              <a:srgbClr val="C00000"/>
-            </a:solidFill>
-            <a:ln>
-              <a:noFill/>
-            </a:ln>
-          </p:spPr>
-          <p:style>
-            <a:lnRef idx="2">
-              <a:schemeClr val="accent1">
-                <a:shade val="50000"/>
-              </a:schemeClr>
-            </a:lnRef>
-            <a:fillRef idx="1">
-              <a:schemeClr val="accent1"/>
-            </a:fillRef>
-            <a:effectRef idx="0">
-              <a:schemeClr val="accent1"/>
-            </a:effectRef>
-            <a:fontRef idx="minor">
-              <a:schemeClr val="lt1"/>
-            </a:fontRef>
-          </p:style>
-          <p:txBody>
-            <a:bodyPr rtlCol="0" anchor="ctr"/>
-            <a:p>
-              <a:pPr algn="ctr"/>
-              <a:endParaRPr lang="en-US"/>
-            </a:p>
-          </p:txBody>
-        </p:sp>
-        <p:sp>
-          <p:nvSpPr>
-            <p:cNvPr id="26" name="Rectangles 25"/>
-            <p:cNvSpPr/>
-            <p:nvPr/>
-          </p:nvSpPr>
-          <p:spPr>
-            <a:xfrm>
-              <a:off x="13135" y="4395"/>
-              <a:ext cx="494" cy="2397"/>
-            </a:xfrm>
-            <a:prstGeom prst="rect">
-              <a:avLst/>
-            </a:prstGeom>
-            <a:solidFill>
-              <a:srgbClr val="C00000"/>
-            </a:solidFill>
-            <a:ln>
-              <a:noFill/>
-            </a:ln>
-          </p:spPr>
-          <p:style>
-            <a:lnRef idx="2">
-              <a:schemeClr val="accent1">
-                <a:shade val="50000"/>
-              </a:schemeClr>
-            </a:lnRef>
-            <a:fillRef idx="1">
-              <a:schemeClr val="accent1"/>
-            </a:fillRef>
-            <a:effectRef idx="0">
-              <a:schemeClr val="accent1"/>
-            </a:effectRef>
-            <a:fontRef idx="minor">
-              <a:schemeClr val="lt1"/>
-            </a:fontRef>
-          </p:style>
-          <p:txBody>
-            <a:bodyPr rtlCol="0" anchor="ctr"/>
-            <a:p>
-              <a:pPr algn="ctr"/>
-              <a:endParaRPr lang="en-US"/>
-            </a:p>
-          </p:txBody>
-        </p:sp>
-      </p:grpSp>
+            <a:tailEnd type="arrow"/>
+          </a:ln>
+        </p:spPr>
+        <p:style>
+          <a:lnRef idx="1">
+            <a:schemeClr val="accent1"/>
+          </a:lnRef>
+          <a:fillRef idx="0">
+            <a:schemeClr val="accent1"/>
+          </a:fillRef>
+          <a:effectRef idx="0">
+            <a:schemeClr val="accent1"/>
+          </a:effectRef>
+          <a:fontRef idx="minor">
+            <a:schemeClr val="tx1"/>
+          </a:fontRef>
+        </p:style>
+      </p:cxnSp>
+      <p:sp>
+        <p:nvSpPr>
+          <p:cNvPr id="64" name="Text Box 63"/>
+          <p:cNvSpPr txBox="1"/>
+          <p:nvPr/>
+        </p:nvSpPr>
+        <p:spPr>
+          <a:xfrm>
+            <a:off x="9385935" y="5300980"/>
+            <a:ext cx="2432050" cy="829945"/>
+          </a:xfrm>
+          <a:prstGeom prst="rect">
+            <a:avLst/>
+          </a:prstGeom>
+          <a:noFill/>
+        </p:spPr>
+        <p:txBody>
+          <a:bodyPr wrap="none" rtlCol="0">
+            <a:spAutoFit/>
+          </a:bodyPr>
+          <a:p>
+            <a:r>
+              <a:rPr lang="en-US" sz="1200"/>
+              <a:t>Add new item to the rack</a:t>
+            </a:r>
+            <a:endParaRPr lang="en-US" sz="1200"/>
+          </a:p>
+          <a:p>
+            <a:r>
+              <a:rPr lang="en-US" sz="1200"/>
+              <a:t>Press once will clear the info column</a:t>
+            </a:r>
+            <a:endParaRPr lang="en-US" sz="1200"/>
+          </a:p>
+          <a:p>
+            <a:r>
+              <a:rPr lang="en-US" sz="1200"/>
+              <a:t>Type the info to the info column</a:t>
+            </a:r>
+            <a:endParaRPr lang="en-US" sz="1200"/>
+          </a:p>
+          <a:p>
+            <a:r>
+              <a:rPr lang="en-US" sz="1200"/>
+              <a:t>Press again will add a new item</a:t>
+            </a:r>
+            <a:endParaRPr lang="en-US" sz="1200"/>
+          </a:p>
+        </p:txBody>
+      </p:sp>
+      <p:pic>
+        <p:nvPicPr>
+          <p:cNvPr id="7" name="Picture 6" descr="ball11"/>
+          <p:cNvPicPr>
+            <a:picLocks noChangeAspect="1"/>
+          </p:cNvPicPr>
+          <p:nvPr/>
+        </p:nvPicPr>
+        <p:blipFill>
+          <a:blip r:embed="rId7"/>
+          <a:stretch>
+            <a:fillRect/>
+          </a:stretch>
+        </p:blipFill>
+        <p:spPr>
+          <a:xfrm>
+            <a:off x="6136005" y="2924810"/>
+            <a:ext cx="538480" cy="538480"/>
+          </a:xfrm>
+          <a:prstGeom prst="rect">
+            <a:avLst/>
+          </a:prstGeom>
+        </p:spPr>
+      </p:pic>
+      <p:pic>
+        <p:nvPicPr>
+          <p:cNvPr id="8" name="Picture 7" descr="ball12"/>
+          <p:cNvPicPr>
+            <a:picLocks noChangeAspect="1"/>
+          </p:cNvPicPr>
+          <p:nvPr/>
+        </p:nvPicPr>
+        <p:blipFill>
+          <a:blip r:embed="rId8"/>
+          <a:stretch>
+            <a:fillRect/>
+          </a:stretch>
+        </p:blipFill>
+        <p:spPr>
+          <a:xfrm>
+            <a:off x="5582920" y="2919730"/>
+            <a:ext cx="531495" cy="528320"/>
+          </a:xfrm>
+          <a:prstGeom prst="rect">
+            <a:avLst/>
+          </a:prstGeom>
+        </p:spPr>
+      </p:pic>
+      <p:pic>
+        <p:nvPicPr>
+          <p:cNvPr id="9" name="Picture 8" descr="ball13"/>
+          <p:cNvPicPr>
+            <a:picLocks noChangeAspect="1"/>
+          </p:cNvPicPr>
+          <p:nvPr/>
+        </p:nvPicPr>
+        <p:blipFill>
+          <a:blip r:embed="rId9"/>
+          <a:stretch>
+            <a:fillRect/>
+          </a:stretch>
+        </p:blipFill>
+        <p:spPr>
+          <a:xfrm>
+            <a:off x="5031105" y="2914650"/>
+            <a:ext cx="546735" cy="538480"/>
+          </a:xfrm>
+          <a:prstGeom prst="rect">
+            <a:avLst/>
+          </a:prstGeom>
+        </p:spPr>
+      </p:pic>
+      <p:pic>
+        <p:nvPicPr>
+          <p:cNvPr id="10" name="Picture 9" descr="ball14"/>
+          <p:cNvPicPr>
+            <a:picLocks noChangeAspect="1"/>
+          </p:cNvPicPr>
+          <p:nvPr/>
+        </p:nvPicPr>
+        <p:blipFill>
+          <a:blip r:embed="rId10"/>
+          <a:stretch>
+            <a:fillRect/>
+          </a:stretch>
+        </p:blipFill>
+        <p:spPr>
+          <a:xfrm>
+            <a:off x="4490085" y="2914650"/>
+            <a:ext cx="541020" cy="533400"/>
+          </a:xfrm>
+          <a:prstGeom prst="rect">
+            <a:avLst/>
+          </a:prstGeom>
+        </p:spPr>
+      </p:pic>
+      <p:pic>
+        <p:nvPicPr>
+          <p:cNvPr id="22" name="Picture 21" descr="ball15"/>
+          <p:cNvPicPr>
+            <a:picLocks noChangeAspect="1"/>
+          </p:cNvPicPr>
+          <p:nvPr/>
+        </p:nvPicPr>
+        <p:blipFill>
+          <a:blip r:embed="rId11"/>
+          <a:stretch>
+            <a:fillRect/>
+          </a:stretch>
+        </p:blipFill>
+        <p:spPr>
+          <a:xfrm>
+            <a:off x="3920490" y="2915920"/>
+            <a:ext cx="541020" cy="533400"/>
+          </a:xfrm>
+          <a:prstGeom prst="rect">
+            <a:avLst/>
+          </a:prstGeom>
+        </p:spPr>
+      </p:pic>
+      <p:cxnSp>
+        <p:nvCxnSpPr>
+          <p:cNvPr id="18" name="Straight Arrow Connector 17"/>
+          <p:cNvCxnSpPr/>
+          <p:nvPr/>
+        </p:nvCxnSpPr>
+        <p:spPr>
+          <a:xfrm>
+            <a:off x="455930" y="2409825"/>
+            <a:ext cx="542925" cy="0"/>
+          </a:xfrm>
+          <a:prstGeom prst="straightConnector1">
+            <a:avLst/>
+          </a:prstGeom>
+          <a:ln>
+            <a:tailEnd type="arrow"/>
+          </a:ln>
+        </p:spPr>
+        <p:style>
+          <a:lnRef idx="1">
+            <a:schemeClr val="accent1"/>
+          </a:lnRef>
+          <a:fillRef idx="0">
+            <a:schemeClr val="accent1"/>
+          </a:fillRef>
+          <a:effectRef idx="0">
+            <a:schemeClr val="accent1"/>
+          </a:effectRef>
+          <a:fontRef idx="minor">
+            <a:schemeClr val="tx1"/>
+          </a:fontRef>
+        </p:style>
+      </p:cxnSp>
+      <p:cxnSp>
+        <p:nvCxnSpPr>
+          <p:cNvPr id="23" name="Straight Arrow Connector 22"/>
+          <p:cNvCxnSpPr/>
+          <p:nvPr/>
+        </p:nvCxnSpPr>
+        <p:spPr>
+          <a:xfrm>
+            <a:off x="2351405" y="1628775"/>
+            <a:ext cx="0" cy="371475"/>
+          </a:xfrm>
+          <a:prstGeom prst="straightConnector1">
+            <a:avLst/>
+          </a:prstGeom>
+          <a:ln>
+            <a:tailEnd type="arrow"/>
+          </a:ln>
+        </p:spPr>
+        <p:style>
+          <a:lnRef idx="1">
+            <a:schemeClr val="accent1"/>
+          </a:lnRef>
+          <a:fillRef idx="0">
+            <a:schemeClr val="accent1"/>
+          </a:fillRef>
+          <a:effectRef idx="0">
+            <a:schemeClr val="accent1"/>
+          </a:effectRef>
+          <a:fontRef idx="minor">
+            <a:schemeClr val="tx1"/>
+          </a:fontRef>
+        </p:style>
+      </p:cxnSp>
     </p:spTree>
   </p:cSld>
   <p:clrMapOvr>
@@ -4816,4 +6266,263 @@
     </a:ext>
   </a:extLst>
 </a:theme>
+</file>
+
+<file path=ppt/theme/theme2.xml><?xml version="1.0" encoding="utf-8"?>
+<a:theme xmlns:a="http://schemas.openxmlformats.org/drawingml/2006/main" name="Office Theme">
+  <a:themeElements>
+    <a:clrScheme name="Office">
+      <a:dk1>
+        <a:sysClr val="windowText" lastClr="000000"/>
+      </a:dk1>
+      <a:lt1>
+        <a:sysClr val="window" lastClr="FFFFFF"/>
+      </a:lt1>
+      <a:dk2>
+        <a:srgbClr val="44546A"/>
+      </a:dk2>
+      <a:lt2>
+        <a:srgbClr val="E7E6E6"/>
+      </a:lt2>
+      <a:accent1>
+        <a:srgbClr val="5B9BD5"/>
+      </a:accent1>
+      <a:accent2>
+        <a:srgbClr val="ED7D31"/>
+      </a:accent2>
+      <a:accent3>
+        <a:srgbClr val="A5A5A5"/>
+      </a:accent3>
+      <a:accent4>
+        <a:srgbClr val="FFC000"/>
+      </a:accent4>
+      <a:accent5>
+        <a:srgbClr val="4472C4"/>
+      </a:accent5>
+      <a:accent6>
+        <a:srgbClr val="70AD47"/>
+      </a:accent6>
+      <a:hlink>
+        <a:srgbClr val="0563C1"/>
+      </a:hlink>
+      <a:folHlink>
+        <a:srgbClr val="954F72"/>
+      </a:folHlink>
+    </a:clrScheme>
+    <a:fontScheme name="Office">
+      <a:majorFont>
+        <a:latin typeface="Calibri Light"/>
+        <a:ea typeface=""/>
+        <a:cs typeface=""/>
+        <a:font script="Jpan" typeface="ＭＳ Ｐゴシック"/>
+        <a:font script="Hang" typeface="맑은 고딕"/>
+        <a:font script="Hans" typeface="宋体"/>
+        <a:font script="Hant" typeface="新細明體"/>
+        <a:font script="Arab" typeface="Times New Roman"/>
+        <a:font script="Hebr" typeface="Times New Roman"/>
+        <a:font script="Thai" typeface="Angsana New"/>
+        <a:font script="Ethi" typeface="Nyala"/>
+        <a:font script="Beng" typeface="Vrinda"/>
+        <a:font script="Gujr" typeface="Shruti"/>
+        <a:font script="Khmr" typeface="MoolBoran"/>
+        <a:font script="Knda" typeface="Tunga"/>
+        <a:font script="Guru" typeface="Raavi"/>
+        <a:font script="Cans" typeface="Euphemia"/>
+        <a:font script="Cher" typeface="Plantagenet Cherokee"/>
+        <a:font script="Yiii" typeface="Microsoft Yi Baiti"/>
+        <a:font script="Tibt" typeface="Microsoft Himalaya"/>
+        <a:font script="Thaa" typeface="MV Boli"/>
+        <a:font script="Deva" typeface="Mangal"/>
+        <a:font script="Telu" typeface="Gautami"/>
+        <a:font script="Taml" typeface="Latha"/>
+        <a:font script="Syrc" typeface="Estrangelo Edessa"/>
+        <a:font script="Orya" typeface="Kalinga"/>
+        <a:font script="Mlym" typeface="Kartika"/>
+        <a:font script="Laoo" typeface="DokChampa"/>
+        <a:font script="Sinh" typeface="Iskoola Pota"/>
+        <a:font script="Mong" typeface="Mongolian Baiti"/>
+        <a:font script="Viet" typeface="Times New Roman"/>
+        <a:font script="Uigh" typeface="Microsoft Uighur"/>
+        <a:font script="Geor" typeface="Sylfaen"/>
+      </a:majorFont>
+      <a:minorFont>
+        <a:latin typeface="Calibri"/>
+        <a:ea typeface=""/>
+        <a:cs typeface=""/>
+        <a:font script="Jpan" typeface="ＭＳ Ｐゴシック"/>
+        <a:font script="Hang" typeface="맑은 고딕"/>
+        <a:font script="Hans" typeface="宋体"/>
+        <a:font script="Hant" typeface="新細明體"/>
+        <a:font script="Arab" typeface="Arial"/>
+        <a:font script="Hebr" typeface="Arial"/>
+        <a:font script="Thai" typeface="Cordia New"/>
+        <a:font script="Ethi" typeface="Nyala"/>
+        <a:font script="Beng" typeface="Vrinda"/>
+        <a:font script="Gujr" typeface="Shruti"/>
+        <a:font script="Khmr" typeface="DaunPenh"/>
+        <a:font script="Knda" typeface="Tunga"/>
+        <a:font script="Guru" typeface="Raavi"/>
+        <a:font script="Cans" typeface="Euphemia"/>
+        <a:font script="Cher" typeface="Plantagenet Cherokee"/>
+        <a:font script="Yiii" typeface="Microsoft Yi Baiti"/>
+        <a:font script="Tibt" typeface="Microsoft Himalaya"/>
+        <a:font script="Thaa" typeface="MV Boli"/>
+        <a:font script="Deva" typeface="Mangal"/>
+        <a:font script="Telu" typeface="Gautami"/>
+        <a:font script="Taml" typeface="Latha"/>
+        <a:font script="Syrc" typeface="Estrangelo Edessa"/>
+        <a:font script="Orya" typeface="Kalinga"/>
+        <a:font script="Mlym" typeface="Kartika"/>
+        <a:font script="Laoo" typeface="DokChampa"/>
+        <a:font script="Sinh" typeface="Iskoola Pota"/>
+        <a:font script="Mong" typeface="Mongolian Baiti"/>
+        <a:font script="Viet" typeface="Arial"/>
+        <a:font script="Uigh" typeface="Microsoft Uighur"/>
+        <a:font script="Geor" typeface="Sylfaen"/>
+      </a:minorFont>
+    </a:fontScheme>
+    <a:fmtScheme name="Office">
+      <a:fillStyleLst>
+        <a:solidFill>
+          <a:schemeClr val="phClr"/>
+        </a:solidFill>
+        <a:gradFill rotWithShape="1">
+          <a:gsLst>
+            <a:gs pos="0">
+              <a:schemeClr val="phClr">
+                <a:lumMod val="110000"/>
+                <a:satMod val="105000"/>
+                <a:tint val="67000"/>
+              </a:schemeClr>
+            </a:gs>
+            <a:gs pos="50000">
+              <a:schemeClr val="phClr">
+                <a:lumMod val="105000"/>
+                <a:satMod val="103000"/>
+                <a:tint val="73000"/>
+              </a:schemeClr>
+            </a:gs>
+            <a:gs pos="100000">
+              <a:schemeClr val="phClr">
+                <a:lumMod val="105000"/>
+                <a:satMod val="109000"/>
+                <a:tint val="81000"/>
+              </a:schemeClr>
+            </a:gs>
+          </a:gsLst>
+          <a:lin ang="5400000" scaled="0"/>
+        </a:gradFill>
+        <a:gradFill rotWithShape="1">
+          <a:gsLst>
+            <a:gs pos="0">
+              <a:schemeClr val="phClr">
+                <a:satMod val="103000"/>
+                <a:lumMod val="102000"/>
+                <a:tint val="94000"/>
+              </a:schemeClr>
+            </a:gs>
+            <a:gs pos="50000">
+              <a:schemeClr val="phClr">
+                <a:satMod val="110000"/>
+                <a:lumMod val="100000"/>
+                <a:shade val="100000"/>
+              </a:schemeClr>
+            </a:gs>
+            <a:gs pos="100000">
+              <a:schemeClr val="phClr">
+                <a:lumMod val="99000"/>
+                <a:satMod val="120000"/>
+                <a:shade val="78000"/>
+              </a:schemeClr>
+            </a:gs>
+          </a:gsLst>
+          <a:lin ang="5400000" scaled="0"/>
+        </a:gradFill>
+      </a:fillStyleLst>
+      <a:lnStyleLst>
+        <a:ln w="6350" cap="flat" cmpd="sng" algn="ctr">
+          <a:solidFill>
+            <a:schemeClr val="phClr"/>
+          </a:solidFill>
+          <a:prstDash val="solid"/>
+          <a:miter lim="800000"/>
+        </a:ln>
+        <a:ln w="12700" cap="flat" cmpd="sng" algn="ctr">
+          <a:solidFill>
+            <a:schemeClr val="phClr"/>
+          </a:solidFill>
+          <a:prstDash val="solid"/>
+          <a:miter lim="800000"/>
+        </a:ln>
+        <a:ln w="19050" cap="flat" cmpd="sng" algn="ctr">
+          <a:solidFill>
+            <a:schemeClr val="phClr"/>
+          </a:solidFill>
+          <a:prstDash val="solid"/>
+          <a:miter lim="800000"/>
+        </a:ln>
+      </a:lnStyleLst>
+      <a:effectStyleLst>
+        <a:effectStyle>
+          <a:effectLst/>
+        </a:effectStyle>
+        <a:effectStyle>
+          <a:effectLst/>
+        </a:effectStyle>
+        <a:effectStyle>
+          <a:effectLst>
+            <a:outerShdw blurRad="57150" dist="19050" dir="5400000" algn="ctr" rotWithShape="0">
+              <a:srgbClr val="000000">
+                <a:alpha val="63000"/>
+              </a:srgbClr>
+            </a:outerShdw>
+          </a:effectLst>
+        </a:effectStyle>
+      </a:effectStyleLst>
+      <a:bgFillStyleLst>
+        <a:solidFill>
+          <a:schemeClr val="phClr"/>
+        </a:solidFill>
+        <a:solidFill>
+          <a:schemeClr val="phClr">
+            <a:tint val="95000"/>
+            <a:satMod val="170000"/>
+          </a:schemeClr>
+        </a:solidFill>
+        <a:gradFill rotWithShape="1">
+          <a:gsLst>
+            <a:gs pos="0">
+              <a:schemeClr val="phClr">
+                <a:tint val="93000"/>
+                <a:satMod val="150000"/>
+                <a:shade val="98000"/>
+                <a:lumMod val="102000"/>
+              </a:schemeClr>
+            </a:gs>
+            <a:gs pos="50000">
+              <a:schemeClr val="phClr">
+                <a:tint val="98000"/>
+                <a:satMod val="130000"/>
+                <a:shade val="90000"/>
+                <a:lumMod val="103000"/>
+              </a:schemeClr>
+            </a:gs>
+            <a:gs pos="100000">
+              <a:schemeClr val="phClr">
+                <a:shade val="63000"/>
+                <a:satMod val="120000"/>
+              </a:schemeClr>
+            </a:gs>
+          </a:gsLst>
+          <a:lin ang="5400000" scaled="0"/>
+        </a:gradFill>
+      </a:bgFillStyleLst>
+    </a:fmtScheme>
+  </a:themeElements>
+  <a:extLst>
+    <a:ext uri="{05A4C25C-085E-4340-85A3-A5531E510DB2}">
+      <thm15:themeFamily xmlns:thm15="http://schemas.microsoft.com/office/thememl/2012/main" name="Office Theme" id="{62F939B6-93AF-4DB8-9C6B-D6C7DFDC589F}" vid="{4A3C46E8-61CC-4603-A589-7422A47A8E4A}"/>
+    </a:ext>
+  </a:extLst>
+</a:theme>
 </file>
--- a/pic/Presentation1.pptx
+++ b/pic/Presentation1.pptx
@@ -9,7 +9,7 @@
   </p:notesMasterIdLst>
   <p:sldIdLst>
     <p:sldId id="256" r:id="rId3"/>
-    <p:sldId id="258" r:id="rId5"/>
+    <p:sldId id="262" r:id="rId5"/>
   </p:sldIdLst>
   <p:sldSz cx="12192000" cy="6858000"/>
   <p:notesSz cx="6858000" cy="9144000"/>
@@ -4794,7 +4794,7 @@
       </p:pic>
       <p:pic>
         <p:nvPicPr>
-          <p:cNvPr id="6" name="Picture 5" descr="flip_high"/>
+          <p:cNvPr id="5" name="Picture 4" descr="flip_low"/>
           <p:cNvPicPr>
             <a:picLocks noChangeAspect="1"/>
           </p:cNvPicPr>
@@ -4808,8 +4808,8 @@
         </p:blipFill>
         <p:spPr>
           <a:xfrm>
-            <a:off x="7203440" y="3848735"/>
-            <a:ext cx="374015" cy="822325"/>
+            <a:off x="7204075" y="3813810"/>
+            <a:ext cx="383540" cy="843915"/>
           </a:xfrm>
           <a:prstGeom prst="rect">
             <a:avLst/>
@@ -4878,7 +4878,7 @@
       </p:pic>
       <p:pic>
         <p:nvPicPr>
-          <p:cNvPr id="19" name="Picture 18" descr="ball1"/>
+          <p:cNvPr id="11" name="Picture 10" descr="ball4"/>
           <p:cNvPicPr>
             <a:picLocks noChangeAspect="1"/>
           </p:cNvPicPr>
@@ -4892,6 +4892,174 @@
         </p:blipFill>
         <p:spPr>
           <a:xfrm>
+            <a:off x="7924165" y="2034540"/>
+            <a:ext cx="537210" cy="537210"/>
+          </a:xfrm>
+          <a:prstGeom prst="rect">
+            <a:avLst/>
+          </a:prstGeom>
+        </p:spPr>
+      </p:pic>
+      <p:pic>
+        <p:nvPicPr>
+          <p:cNvPr id="12" name="Picture 11" descr="ball5"/>
+          <p:cNvPicPr>
+            <a:picLocks noChangeAspect="1"/>
+          </p:cNvPicPr>
+          <p:nvPr/>
+        </p:nvPicPr>
+        <p:blipFill>
+          <a:blip r:embed="rId5"/>
+          <a:stretch>
+            <a:fillRect/>
+          </a:stretch>
+        </p:blipFill>
+        <p:spPr>
+          <a:xfrm>
+            <a:off x="7372350" y="2053590"/>
+            <a:ext cx="532765" cy="541020"/>
+          </a:xfrm>
+          <a:prstGeom prst="rect">
+            <a:avLst/>
+          </a:prstGeom>
+        </p:spPr>
+      </p:pic>
+      <p:pic>
+        <p:nvPicPr>
+          <p:cNvPr id="13" name="Picture 12" descr="ball6"/>
+          <p:cNvPicPr>
+            <a:picLocks noChangeAspect="1"/>
+          </p:cNvPicPr>
+          <p:nvPr/>
+        </p:nvPicPr>
+        <p:blipFill>
+          <a:blip r:embed="rId6"/>
+          <a:stretch>
+            <a:fillRect/>
+          </a:stretch>
+        </p:blipFill>
+        <p:spPr>
+          <a:xfrm>
+            <a:off x="6826885" y="2049145"/>
+            <a:ext cx="545465" cy="541655"/>
+          </a:xfrm>
+          <a:prstGeom prst="rect">
+            <a:avLst/>
+          </a:prstGeom>
+        </p:spPr>
+      </p:pic>
+      <p:pic>
+        <p:nvPicPr>
+          <p:cNvPr id="14" name="Picture 13" descr="ball7"/>
+          <p:cNvPicPr>
+            <a:picLocks noChangeAspect="1"/>
+          </p:cNvPicPr>
+          <p:nvPr/>
+        </p:nvPicPr>
+        <p:blipFill>
+          <a:blip r:embed="rId7"/>
+          <a:stretch>
+            <a:fillRect/>
+          </a:stretch>
+        </p:blipFill>
+        <p:spPr>
+          <a:xfrm>
+            <a:off x="6281420" y="2049145"/>
+            <a:ext cx="545465" cy="541655"/>
+          </a:xfrm>
+          <a:prstGeom prst="rect">
+            <a:avLst/>
+          </a:prstGeom>
+        </p:spPr>
+      </p:pic>
+      <p:pic>
+        <p:nvPicPr>
+          <p:cNvPr id="15" name="Picture 14" descr="ball8"/>
+          <p:cNvPicPr>
+            <a:picLocks noChangeAspect="1"/>
+          </p:cNvPicPr>
+          <p:nvPr/>
+        </p:nvPicPr>
+        <p:blipFill>
+          <a:blip r:embed="rId8"/>
+          <a:stretch>
+            <a:fillRect/>
+          </a:stretch>
+        </p:blipFill>
+        <p:spPr>
+          <a:xfrm>
+            <a:off x="5745480" y="2057400"/>
+            <a:ext cx="537210" cy="537210"/>
+          </a:xfrm>
+          <a:prstGeom prst="rect">
+            <a:avLst/>
+          </a:prstGeom>
+        </p:spPr>
+      </p:pic>
+      <p:pic>
+        <p:nvPicPr>
+          <p:cNvPr id="16" name="Picture 15" descr="ball9"/>
+          <p:cNvPicPr>
+            <a:picLocks noChangeAspect="1"/>
+          </p:cNvPicPr>
+          <p:nvPr/>
+        </p:nvPicPr>
+        <p:blipFill>
+          <a:blip r:embed="rId9"/>
+          <a:stretch>
+            <a:fillRect/>
+          </a:stretch>
+        </p:blipFill>
+        <p:spPr>
+          <a:xfrm>
+            <a:off x="5190490" y="2049145"/>
+            <a:ext cx="545465" cy="541655"/>
+          </a:xfrm>
+          <a:prstGeom prst="rect">
+            <a:avLst/>
+          </a:prstGeom>
+        </p:spPr>
+      </p:pic>
+      <p:pic>
+        <p:nvPicPr>
+          <p:cNvPr id="17" name="Picture 16" descr="ball10"/>
+          <p:cNvPicPr>
+            <a:picLocks noChangeAspect="1"/>
+          </p:cNvPicPr>
+          <p:nvPr/>
+        </p:nvPicPr>
+        <p:blipFill>
+          <a:blip r:embed="rId10"/>
+          <a:stretch>
+            <a:fillRect/>
+          </a:stretch>
+        </p:blipFill>
+        <p:spPr>
+          <a:xfrm>
+            <a:off x="4631055" y="2053590"/>
+            <a:ext cx="549910" cy="541655"/>
+          </a:xfrm>
+          <a:prstGeom prst="rect">
+            <a:avLst/>
+          </a:prstGeom>
+        </p:spPr>
+      </p:pic>
+      <p:pic>
+        <p:nvPicPr>
+          <p:cNvPr id="19" name="Picture 18" descr="ball1"/>
+          <p:cNvPicPr>
+            <a:picLocks noChangeAspect="1"/>
+          </p:cNvPicPr>
+          <p:nvPr/>
+        </p:nvPicPr>
+        <p:blipFill>
+          <a:blip r:embed="rId11"/>
+          <a:stretch>
+            <a:fillRect/>
+          </a:stretch>
+        </p:blipFill>
+        <p:spPr>
+          <a:xfrm>
             <a:off x="7830820" y="2927985"/>
             <a:ext cx="550545" cy="534035"/>
           </a:xfrm>
@@ -4909,7 +5077,7 @@
           <p:nvPr/>
         </p:nvPicPr>
         <p:blipFill>
-          <a:blip r:embed="rId5"/>
+          <a:blip r:embed="rId12"/>
           <a:stretch>
             <a:fillRect/>
           </a:stretch>
@@ -4933,7 +5101,7 @@
           <p:nvPr/>
         </p:nvPicPr>
         <p:blipFill>
-          <a:blip r:embed="rId6"/>
+          <a:blip r:embed="rId13"/>
           <a:stretch>
             <a:fillRect/>
           </a:stretch>
@@ -5053,6 +5221,54 @@
           </a:p>
         </p:txBody>
       </p:sp>
+      <p:pic>
+        <p:nvPicPr>
+          <p:cNvPr id="45" name="Picture 44" descr="N_button_drawn"/>
+          <p:cNvPicPr>
+            <a:picLocks noChangeAspect="1"/>
+          </p:cNvPicPr>
+          <p:nvPr/>
+        </p:nvPicPr>
+        <p:blipFill>
+          <a:blip r:embed="rId14"/>
+          <a:stretch>
+            <a:fillRect/>
+          </a:stretch>
+        </p:blipFill>
+        <p:spPr>
+          <a:xfrm>
+            <a:off x="7744460" y="4951730"/>
+            <a:ext cx="914400" cy="902335"/>
+          </a:xfrm>
+          <a:prstGeom prst="rect">
+            <a:avLst/>
+          </a:prstGeom>
+        </p:spPr>
+      </p:pic>
+      <p:pic>
+        <p:nvPicPr>
+          <p:cNvPr id="46" name="Picture 45" descr="S_button_drawn"/>
+          <p:cNvPicPr>
+            <a:picLocks noChangeAspect="1"/>
+          </p:cNvPicPr>
+          <p:nvPr/>
+        </p:nvPicPr>
+        <p:blipFill>
+          <a:blip r:embed="rId15"/>
+          <a:stretch>
+            <a:fillRect/>
+          </a:stretch>
+        </p:blipFill>
+        <p:spPr>
+          <a:xfrm>
+            <a:off x="7840980" y="3858260"/>
+            <a:ext cx="740410" cy="730885"/>
+          </a:xfrm>
+          <a:prstGeom prst="rect">
+            <a:avLst/>
+          </a:prstGeom>
+        </p:spPr>
+      </p:pic>
       <p:sp>
         <p:nvSpPr>
           <p:cNvPr id="47" name="Text Box 46"/>
@@ -5824,7 +6040,7 @@
           <p:nvPr/>
         </p:nvPicPr>
         <p:blipFill>
-          <a:blip r:embed="rId7"/>
+          <a:blip r:embed="rId16"/>
           <a:stretch>
             <a:fillRect/>
           </a:stretch>
@@ -5848,7 +6064,7 @@
           <p:nvPr/>
         </p:nvPicPr>
         <p:blipFill>
-          <a:blip r:embed="rId8"/>
+          <a:blip r:embed="rId17"/>
           <a:stretch>
             <a:fillRect/>
           </a:stretch>
@@ -5872,7 +6088,7 @@
           <p:nvPr/>
         </p:nvPicPr>
         <p:blipFill>
-          <a:blip r:embed="rId9"/>
+          <a:blip r:embed="rId18"/>
           <a:stretch>
             <a:fillRect/>
           </a:stretch>
@@ -5896,7 +6112,7 @@
           <p:nvPr/>
         </p:nvPicPr>
         <p:blipFill>
-          <a:blip r:embed="rId10"/>
+          <a:blip r:embed="rId19"/>
           <a:stretch>
             <a:fillRect/>
           </a:stretch>
@@ -5920,7 +6136,7 @@
           <p:nvPr/>
         </p:nvPicPr>
         <p:blipFill>
-          <a:blip r:embed="rId11"/>
+          <a:blip r:embed="rId20"/>
           <a:stretch>
             <a:fillRect/>
           </a:stretch>
@@ -5937,14 +6153,14 @@
       </p:pic>
       <p:cxnSp>
         <p:nvCxnSpPr>
-          <p:cNvPr id="18" name="Straight Arrow Connector 17"/>
+          <p:cNvPr id="6" name="Straight Arrow Connector 5"/>
           <p:cNvCxnSpPr/>
           <p:nvPr/>
         </p:nvCxnSpPr>
         <p:spPr>
           <a:xfrm>
-            <a:off x="455930" y="2409825"/>
-            <a:ext cx="542925" cy="0"/>
+            <a:off x="446405" y="4457700"/>
+            <a:ext cx="6751320" cy="0"/>
           </a:xfrm>
           <a:prstGeom prst="straightConnector1">
             <a:avLst/>
@@ -5968,16 +6184,65 @@
           </a:fontRef>
         </p:style>
       </p:cxnSp>
+      <p:sp>
+        <p:nvSpPr>
+          <p:cNvPr id="23" name="Rectangles 22"/>
+          <p:cNvSpPr/>
+          <p:nvPr/>
+        </p:nvSpPr>
+        <p:spPr>
+          <a:xfrm>
+            <a:off x="7731760" y="3740785"/>
+            <a:ext cx="962025" cy="969010"/>
+          </a:xfrm>
+          <a:prstGeom prst="rect">
+            <a:avLst/>
+          </a:prstGeom>
+          <a:noFill/>
+          <a:extLst>
+            <a:ext uri="{909E8E84-426E-40DD-AFC4-6F175D3DCCD1}">
+              <a14:hiddenFill xmlns:a14="http://schemas.microsoft.com/office/drawing/2010/main">
+                <a:solidFill>
+                  <a:schemeClr val="accent1"/>
+                </a:solidFill>
+              </a14:hiddenFill>
+            </a:ext>
+          </a:extLst>
+        </p:spPr>
+        <p:style>
+          <a:lnRef idx="2">
+            <a:schemeClr val="accent1">
+              <a:shade val="50000"/>
+            </a:schemeClr>
+          </a:lnRef>
+          <a:fillRef idx="1">
+            <a:schemeClr val="accent1"/>
+          </a:fillRef>
+          <a:effectRef idx="0">
+            <a:schemeClr val="accent1"/>
+          </a:effectRef>
+          <a:fontRef idx="minor">
+            <a:schemeClr val="lt1"/>
+          </a:fontRef>
+        </p:style>
+        <p:txBody>
+          <a:bodyPr rtlCol="0" anchor="ctr"/>
+          <a:p>
+            <a:pPr algn="ctr"/>
+            <a:endParaRPr lang="en-US"/>
+          </a:p>
+        </p:txBody>
+      </p:sp>
       <p:cxnSp>
         <p:nvCxnSpPr>
-          <p:cNvPr id="23" name="Straight Arrow Connector 22"/>
+          <p:cNvPr id="24" name="Straight Arrow Connector 23"/>
           <p:cNvCxnSpPr/>
           <p:nvPr/>
         </p:nvCxnSpPr>
         <p:spPr>
           <a:xfrm>
-            <a:off x="2351405" y="1628775"/>
-            <a:ext cx="0" cy="371475"/>
+            <a:off x="7334250" y="1631315"/>
+            <a:ext cx="0" cy="2175510"/>
           </a:xfrm>
           <a:prstGeom prst="straightConnector1">
             <a:avLst/>
